--- a/paper/figures.pptx
+++ b/paper/figures.pptx
@@ -4,8 +4,12 @@
   <p:sldMasterIdLst>
     <p:sldMasterId id="2147483648" r:id="rId1"/>
   </p:sldMasterIdLst>
+  <p:notesMasterIdLst>
+    <p:notesMasterId r:id="rId4"/>
+  </p:notesMasterIdLst>
   <p:sldIdLst>
     <p:sldId id="256" r:id="rId2"/>
+    <p:sldId id="257" r:id="rId3"/>
   </p:sldIdLst>
   <p:sldSz cx="12192000" cy="6858000"/>
   <p:notesSz cx="6858000" cy="9144000"/>
@@ -104,19 +108,375 @@
       </a:defRPr>
     </a:lvl9pPr>
   </p:defaultTextStyle>
+  <p:extLst>
+    <p:ext uri="{EFAFB233-063F-42B5-8137-9DF3F51BA10A}">
+      <p15:sldGuideLst xmlns:p15="http://schemas.microsoft.com/office/powerpoint/2012/main"/>
+    </p:ext>
+  </p:extLst>
 </p:presentation>
 </file>
 
 <file path=ppt/revisionInfo.xml><?xml version="1.0" encoding="utf-8"?>
 <p1510:revInfo xmlns:a="http://schemas.openxmlformats.org/drawingml/2006/main" xmlns:r="http://schemas.openxmlformats.org/officeDocument/2006/relationships" xmlns:p1510="http://schemas.microsoft.com/office/powerpoint/2015/10/main">
   <p1510:revLst>
-    <p1510:client id="{28399A0C-F2F7-4EFC-9283-735913CB0412}" v="8" dt="2022-10-09T01:21:29.669"/>
+    <p1510:client id="{749D29BB-E351-466E-AEE6-80E7B20D4B1E}" v="30" dt="2022-11-21T05:35:03.996"/>
   </p1510:revLst>
 </p1510:revInfo>
 </file>
 
 <file path=ppt/changesInfos/changesInfo1.xml><?xml version="1.0" encoding="utf-8"?>
 <pc:chgInfo xmlns:a="http://schemas.openxmlformats.org/drawingml/2006/main" xmlns:r="http://schemas.openxmlformats.org/officeDocument/2006/relationships" xmlns:ac="http://schemas.microsoft.com/office/drawing/2013/main/command" xmlns:pc="http://schemas.microsoft.com/office/powerpoint/2013/main/command">
+  <pc:docChgLst>
+    <pc:chgData name="ShuangHeng Wang" userId="a5b42002-4dd7-4474-8229-3ae96bc36a47" providerId="ADAL" clId="{749D29BB-E351-466E-AEE6-80E7B20D4B1E}"/>
+    <pc:docChg chg="undo redo custSel addSld modSld">
+      <pc:chgData name="ShuangHeng Wang" userId="a5b42002-4dd7-4474-8229-3ae96bc36a47" providerId="ADAL" clId="{749D29BB-E351-466E-AEE6-80E7B20D4B1E}" dt="2022-11-21T05:35:55.081" v="408" actId="1076"/>
+      <pc:docMkLst>
+        <pc:docMk/>
+      </pc:docMkLst>
+      <pc:sldChg chg="addSp delSp modSp mod">
+        <pc:chgData name="ShuangHeng Wang" userId="a5b42002-4dd7-4474-8229-3ae96bc36a47" providerId="ADAL" clId="{749D29BB-E351-466E-AEE6-80E7B20D4B1E}" dt="2022-11-21T05:35:55.081" v="408" actId="1076"/>
+        <pc:sldMkLst>
+          <pc:docMk/>
+          <pc:sldMk cId="1641956445" sldId="256"/>
+        </pc:sldMkLst>
+        <pc:spChg chg="add mod ord">
+          <ac:chgData name="ShuangHeng Wang" userId="a5b42002-4dd7-4474-8229-3ae96bc36a47" providerId="ADAL" clId="{749D29BB-E351-466E-AEE6-80E7B20D4B1E}" dt="2022-11-21T05:35:55.081" v="408" actId="1076"/>
+          <ac:spMkLst>
+            <pc:docMk/>
+            <pc:sldMk cId="1641956445" sldId="256"/>
+            <ac:spMk id="2" creationId="{DE945464-83AA-A5AC-6C77-BE3D844F868B}"/>
+          </ac:spMkLst>
+        </pc:spChg>
+        <pc:spChg chg="add mod">
+          <ac:chgData name="ShuangHeng Wang" userId="a5b42002-4dd7-4474-8229-3ae96bc36a47" providerId="ADAL" clId="{749D29BB-E351-466E-AEE6-80E7B20D4B1E}" dt="2022-11-21T05:35:38.305" v="404" actId="1076"/>
+          <ac:spMkLst>
+            <pc:docMk/>
+            <pc:sldMk cId="1641956445" sldId="256"/>
+            <ac:spMk id="3" creationId="{B355A92E-1986-F6AE-083A-5D31F4030217}"/>
+          </ac:spMkLst>
+        </pc:spChg>
+        <pc:spChg chg="add mod">
+          <ac:chgData name="ShuangHeng Wang" userId="a5b42002-4dd7-4474-8229-3ae96bc36a47" providerId="ADAL" clId="{749D29BB-E351-466E-AEE6-80E7B20D4B1E}" dt="2022-11-17T02:31:26.409" v="215" actId="1076"/>
+          <ac:spMkLst>
+            <pc:docMk/>
+            <pc:sldMk cId="1641956445" sldId="256"/>
+            <ac:spMk id="21" creationId="{D5623C43-057B-B832-2D33-0EB8FD2A9850}"/>
+          </ac:spMkLst>
+        </pc:spChg>
+        <pc:grpChg chg="add del mod">
+          <ac:chgData name="ShuangHeng Wang" userId="a5b42002-4dd7-4474-8229-3ae96bc36a47" providerId="ADAL" clId="{749D29BB-E351-466E-AEE6-80E7B20D4B1E}" dt="2022-11-17T02:16:26.490" v="57" actId="478"/>
+          <ac:grpSpMkLst>
+            <pc:docMk/>
+            <pc:sldMk cId="1641956445" sldId="256"/>
+            <ac:grpSpMk id="19" creationId="{0AF052A7-5E91-7EB6-9D31-6DB1EDAFE27B}"/>
+          </ac:grpSpMkLst>
+        </pc:grpChg>
+        <pc:grpChg chg="add mod">
+          <ac:chgData name="ShuangHeng Wang" userId="a5b42002-4dd7-4474-8229-3ae96bc36a47" providerId="ADAL" clId="{749D29BB-E351-466E-AEE6-80E7B20D4B1E}" dt="2022-11-17T02:31:26.409" v="215" actId="1076"/>
+          <ac:grpSpMkLst>
+            <pc:docMk/>
+            <pc:sldMk cId="1641956445" sldId="256"/>
+            <ac:grpSpMk id="20" creationId="{505F7544-6622-2FC0-D5C4-8C0EE6A17F18}"/>
+          </ac:grpSpMkLst>
+        </pc:grpChg>
+        <pc:picChg chg="add del mod">
+          <ac:chgData name="ShuangHeng Wang" userId="a5b42002-4dd7-4474-8229-3ae96bc36a47" providerId="ADAL" clId="{749D29BB-E351-466E-AEE6-80E7B20D4B1E}" dt="2022-11-17T02:15:32.269" v="36" actId="478"/>
+          <ac:picMkLst>
+            <pc:docMk/>
+            <pc:sldMk cId="1641956445" sldId="256"/>
+            <ac:picMk id="3" creationId="{6AE7300B-DE67-3E37-F0EF-534BA7E68378}"/>
+          </ac:picMkLst>
+        </pc:picChg>
+        <pc:picChg chg="mod">
+          <ac:chgData name="ShuangHeng Wang" userId="a5b42002-4dd7-4474-8229-3ae96bc36a47" providerId="ADAL" clId="{749D29BB-E351-466E-AEE6-80E7B20D4B1E}" dt="2022-11-17T02:18:11.161" v="111" actId="1076"/>
+          <ac:picMkLst>
+            <pc:docMk/>
+            <pc:sldMk cId="1641956445" sldId="256"/>
+            <ac:picMk id="4" creationId="{80979792-7708-893E-FB15-703E787BF4FB}"/>
+          </ac:picMkLst>
+        </pc:picChg>
+        <pc:picChg chg="add del mod">
+          <ac:chgData name="ShuangHeng Wang" userId="a5b42002-4dd7-4474-8229-3ae96bc36a47" providerId="ADAL" clId="{749D29BB-E351-466E-AEE6-80E7B20D4B1E}" dt="2022-11-16T20:24:48.447" v="9" actId="478"/>
+          <ac:picMkLst>
+            <pc:docMk/>
+            <pc:sldMk cId="1641956445" sldId="256"/>
+            <ac:picMk id="6" creationId="{79A7B876-B1BC-0AD6-3560-D526A2632D4B}"/>
+          </ac:picMkLst>
+        </pc:picChg>
+        <pc:picChg chg="add del mod">
+          <ac:chgData name="ShuangHeng Wang" userId="a5b42002-4dd7-4474-8229-3ae96bc36a47" providerId="ADAL" clId="{749D29BB-E351-466E-AEE6-80E7B20D4B1E}" dt="2022-11-17T02:15:32.269" v="36" actId="478"/>
+          <ac:picMkLst>
+            <pc:docMk/>
+            <pc:sldMk cId="1641956445" sldId="256"/>
+            <ac:picMk id="8" creationId="{6BFFEFE0-7E49-7C65-F8AF-4F033A46FE69}"/>
+          </ac:picMkLst>
+        </pc:picChg>
+        <pc:picChg chg="add del mod">
+          <ac:chgData name="ShuangHeng Wang" userId="a5b42002-4dd7-4474-8229-3ae96bc36a47" providerId="ADAL" clId="{749D29BB-E351-466E-AEE6-80E7B20D4B1E}" dt="2022-11-17T02:15:05.144" v="30" actId="478"/>
+          <ac:picMkLst>
+            <pc:docMk/>
+            <pc:sldMk cId="1641956445" sldId="256"/>
+            <ac:picMk id="10" creationId="{3D2F8F7F-DF2D-CFEA-C80B-01E8317B3BEF}"/>
+          </ac:picMkLst>
+        </pc:picChg>
+        <pc:picChg chg="mod">
+          <ac:chgData name="ShuangHeng Wang" userId="a5b42002-4dd7-4474-8229-3ae96bc36a47" providerId="ADAL" clId="{749D29BB-E351-466E-AEE6-80E7B20D4B1E}" dt="2022-11-17T02:18:11.161" v="111" actId="1076"/>
+          <ac:picMkLst>
+            <pc:docMk/>
+            <pc:sldMk cId="1641956445" sldId="256"/>
+            <ac:picMk id="11" creationId="{247FC7E8-C132-D0B9-3FD2-79A129881B65}"/>
+          </ac:picMkLst>
+        </pc:picChg>
+        <pc:picChg chg="mod ord">
+          <ac:chgData name="ShuangHeng Wang" userId="a5b42002-4dd7-4474-8229-3ae96bc36a47" providerId="ADAL" clId="{749D29BB-E351-466E-AEE6-80E7B20D4B1E}" dt="2022-11-21T05:35:30.516" v="400" actId="167"/>
+          <ac:picMkLst>
+            <pc:docMk/>
+            <pc:sldMk cId="1641956445" sldId="256"/>
+            <ac:picMk id="12" creationId="{907B4888-BBB5-460C-3C77-C1AE13EECD33}"/>
+          </ac:picMkLst>
+        </pc:picChg>
+        <pc:picChg chg="add del mod">
+          <ac:chgData name="ShuangHeng Wang" userId="a5b42002-4dd7-4474-8229-3ae96bc36a47" providerId="ADAL" clId="{749D29BB-E351-466E-AEE6-80E7B20D4B1E}" dt="2022-11-17T02:15:05.144" v="30" actId="478"/>
+          <ac:picMkLst>
+            <pc:docMk/>
+            <pc:sldMk cId="1641956445" sldId="256"/>
+            <ac:picMk id="14" creationId="{BFA691A6-4AF9-F7DC-28FD-2C72D7B6FEAD}"/>
+          </ac:picMkLst>
+        </pc:picChg>
+        <pc:picChg chg="add mod">
+          <ac:chgData name="ShuangHeng Wang" userId="a5b42002-4dd7-4474-8229-3ae96bc36a47" providerId="ADAL" clId="{749D29BB-E351-466E-AEE6-80E7B20D4B1E}" dt="2022-11-17T02:16:16.604" v="49" actId="164"/>
+          <ac:picMkLst>
+            <pc:docMk/>
+            <pc:sldMk cId="1641956445" sldId="256"/>
+            <ac:picMk id="16" creationId="{DF3B8A45-44DB-8519-86F4-EB7E07FF0CF4}"/>
+          </ac:picMkLst>
+        </pc:picChg>
+        <pc:picChg chg="add mod">
+          <ac:chgData name="ShuangHeng Wang" userId="a5b42002-4dd7-4474-8229-3ae96bc36a47" providerId="ADAL" clId="{749D29BB-E351-466E-AEE6-80E7B20D4B1E}" dt="2022-11-17T02:16:23.555" v="56" actId="1038"/>
+          <ac:picMkLst>
+            <pc:docMk/>
+            <pc:sldMk cId="1641956445" sldId="256"/>
+            <ac:picMk id="18" creationId="{EF0A0D00-3CFA-476F-12DA-A2514E4F2E3C}"/>
+          </ac:picMkLst>
+        </pc:picChg>
+        <pc:picChg chg="add mod">
+          <ac:chgData name="ShuangHeng Wang" userId="a5b42002-4dd7-4474-8229-3ae96bc36a47" providerId="ADAL" clId="{749D29BB-E351-466E-AEE6-80E7B20D4B1E}" dt="2022-11-17T02:31:22.725" v="214" actId="1076"/>
+          <ac:picMkLst>
+            <pc:docMk/>
+            <pc:sldMk cId="1641956445" sldId="256"/>
+            <ac:picMk id="23" creationId="{C001B19C-801A-238B-DC8C-418E68CDACEC}"/>
+          </ac:picMkLst>
+        </pc:picChg>
+        <pc:picChg chg="add mod modCrop">
+          <ac:chgData name="ShuangHeng Wang" userId="a5b42002-4dd7-4474-8229-3ae96bc36a47" providerId="ADAL" clId="{749D29BB-E351-466E-AEE6-80E7B20D4B1E}" dt="2022-11-17T02:27:19.423" v="199" actId="1076"/>
+          <ac:picMkLst>
+            <pc:docMk/>
+            <pc:sldMk cId="1641956445" sldId="256"/>
+            <ac:picMk id="24" creationId="{C8E75F2E-D802-35A2-64BA-FE3D9D79B0E5}"/>
+          </ac:picMkLst>
+        </pc:picChg>
+        <pc:picChg chg="add del mod topLvl">
+          <ac:chgData name="ShuangHeng Wang" userId="a5b42002-4dd7-4474-8229-3ae96bc36a47" providerId="ADAL" clId="{749D29BB-E351-466E-AEE6-80E7B20D4B1E}" dt="2022-11-17T02:16:26.490" v="57" actId="478"/>
+          <ac:picMkLst>
+            <pc:docMk/>
+            <pc:sldMk cId="1641956445" sldId="256"/>
+            <ac:picMk id="33" creationId="{7AFA2948-4B7D-210C-D952-B863F96F6AEA}"/>
+          </ac:picMkLst>
+        </pc:picChg>
+        <pc:picChg chg="add del mod topLvl">
+          <ac:chgData name="ShuangHeng Wang" userId="a5b42002-4dd7-4474-8229-3ae96bc36a47" providerId="ADAL" clId="{749D29BB-E351-466E-AEE6-80E7B20D4B1E}" dt="2022-11-17T02:16:26.490" v="57" actId="478"/>
+          <ac:picMkLst>
+            <pc:docMk/>
+            <pc:sldMk cId="1641956445" sldId="256"/>
+            <ac:picMk id="35" creationId="{387EAE62-A0B0-592B-7358-41EEAA3B0D9B}"/>
+          </ac:picMkLst>
+        </pc:picChg>
+        <pc:cxnChg chg="add mod">
+          <ac:chgData name="ShuangHeng Wang" userId="a5b42002-4dd7-4474-8229-3ae96bc36a47" providerId="ADAL" clId="{749D29BB-E351-466E-AEE6-80E7B20D4B1E}" dt="2022-11-17T02:29:20.500" v="213" actId="14100"/>
+          <ac:cxnSpMkLst>
+            <pc:docMk/>
+            <pc:sldMk cId="1641956445" sldId="256"/>
+            <ac:cxnSpMk id="26" creationId="{464BB93B-6231-E423-8D82-CBC9F2BF2B0E}"/>
+          </ac:cxnSpMkLst>
+        </pc:cxnChg>
+      </pc:sldChg>
+      <pc:sldChg chg="addSp delSp modSp add mod">
+        <pc:chgData name="ShuangHeng Wang" userId="a5b42002-4dd7-4474-8229-3ae96bc36a47" providerId="ADAL" clId="{749D29BB-E351-466E-AEE6-80E7B20D4B1E}" dt="2022-11-21T05:33:17.140" v="372" actId="1076"/>
+        <pc:sldMkLst>
+          <pc:docMk/>
+          <pc:sldMk cId="995727716" sldId="257"/>
+        </pc:sldMkLst>
+        <pc:spChg chg="add mod">
+          <ac:chgData name="ShuangHeng Wang" userId="a5b42002-4dd7-4474-8229-3ae96bc36a47" providerId="ADAL" clId="{749D29BB-E351-466E-AEE6-80E7B20D4B1E}" dt="2022-11-21T05:30:45.756" v="320" actId="20577"/>
+          <ac:spMkLst>
+            <pc:docMk/>
+            <pc:sldMk cId="995727716" sldId="257"/>
+            <ac:spMk id="3" creationId="{E5FAB699-5477-F195-3667-2714583249A2}"/>
+          </ac:spMkLst>
+        </pc:spChg>
+        <pc:spChg chg="add del mod">
+          <ac:chgData name="ShuangHeng Wang" userId="a5b42002-4dd7-4474-8229-3ae96bc36a47" providerId="ADAL" clId="{749D29BB-E351-466E-AEE6-80E7B20D4B1E}" dt="2022-11-21T05:22:58.622" v="300" actId="478"/>
+          <ac:spMkLst>
+            <pc:docMk/>
+            <pc:sldMk cId="995727716" sldId="257"/>
+            <ac:spMk id="5" creationId="{B6049B1A-DEE9-6AD9-553A-30D08AEAF512}"/>
+          </ac:spMkLst>
+        </pc:spChg>
+        <pc:spChg chg="add del mod">
+          <ac:chgData name="ShuangHeng Wang" userId="a5b42002-4dd7-4474-8229-3ae96bc36a47" providerId="ADAL" clId="{749D29BB-E351-466E-AEE6-80E7B20D4B1E}" dt="2022-11-21T05:23:01.222" v="303" actId="478"/>
+          <ac:spMkLst>
+            <pc:docMk/>
+            <pc:sldMk cId="995727716" sldId="257"/>
+            <ac:spMk id="6" creationId="{CD4F0E52-C2CF-0A8F-7997-E53E43D58B18}"/>
+          </ac:spMkLst>
+        </pc:spChg>
+        <pc:spChg chg="add del mod">
+          <ac:chgData name="ShuangHeng Wang" userId="a5b42002-4dd7-4474-8229-3ae96bc36a47" providerId="ADAL" clId="{749D29BB-E351-466E-AEE6-80E7B20D4B1E}" dt="2022-11-21T05:23:00.334" v="302" actId="478"/>
+          <ac:spMkLst>
+            <pc:docMk/>
+            <pc:sldMk cId="995727716" sldId="257"/>
+            <ac:spMk id="7" creationId="{9B1FCC69-6CD0-D881-4D1E-69E0473E5535}"/>
+          </ac:spMkLst>
+        </pc:spChg>
+        <pc:spChg chg="add del mod">
+          <ac:chgData name="ShuangHeng Wang" userId="a5b42002-4dd7-4474-8229-3ae96bc36a47" providerId="ADAL" clId="{749D29BB-E351-466E-AEE6-80E7B20D4B1E}" dt="2022-11-21T05:22:59.261" v="301" actId="478"/>
+          <ac:spMkLst>
+            <pc:docMk/>
+            <pc:sldMk cId="995727716" sldId="257"/>
+            <ac:spMk id="8" creationId="{ADD0EB29-35FA-01DC-36AB-867FBC798D8A}"/>
+          </ac:spMkLst>
+        </pc:spChg>
+        <pc:spChg chg="add mod">
+          <ac:chgData name="ShuangHeng Wang" userId="a5b42002-4dd7-4474-8229-3ae96bc36a47" providerId="ADAL" clId="{749D29BB-E351-466E-AEE6-80E7B20D4B1E}" dt="2022-11-21T05:30:47.443" v="322" actId="20577"/>
+          <ac:spMkLst>
+            <pc:docMk/>
+            <pc:sldMk cId="995727716" sldId="257"/>
+            <ac:spMk id="9" creationId="{2B7AA993-D8FE-63D1-9694-976B864CA975}"/>
+          </ac:spMkLst>
+        </pc:spChg>
+        <pc:spChg chg="add mod">
+          <ac:chgData name="ShuangHeng Wang" userId="a5b42002-4dd7-4474-8229-3ae96bc36a47" providerId="ADAL" clId="{749D29BB-E351-466E-AEE6-80E7B20D4B1E}" dt="2022-11-21T05:30:54.368" v="328" actId="20577"/>
+          <ac:spMkLst>
+            <pc:docMk/>
+            <pc:sldMk cId="995727716" sldId="257"/>
+            <ac:spMk id="10" creationId="{DA27DDC1-7C53-A3C8-2151-67FDD8C50F74}"/>
+          </ac:spMkLst>
+        </pc:spChg>
+        <pc:spChg chg="add mod">
+          <ac:chgData name="ShuangHeng Wang" userId="a5b42002-4dd7-4474-8229-3ae96bc36a47" providerId="ADAL" clId="{749D29BB-E351-466E-AEE6-80E7B20D4B1E}" dt="2022-11-21T05:30:51.621" v="326" actId="20577"/>
+          <ac:spMkLst>
+            <pc:docMk/>
+            <pc:sldMk cId="995727716" sldId="257"/>
+            <ac:spMk id="13" creationId="{12B65FB3-4AE4-AABD-A42D-25B4848389A0}"/>
+          </ac:spMkLst>
+        </pc:spChg>
+        <pc:spChg chg="add mod">
+          <ac:chgData name="ShuangHeng Wang" userId="a5b42002-4dd7-4474-8229-3ae96bc36a47" providerId="ADAL" clId="{749D29BB-E351-466E-AEE6-80E7B20D4B1E}" dt="2022-11-21T05:30:49.876" v="324" actId="20577"/>
+          <ac:spMkLst>
+            <pc:docMk/>
+            <pc:sldMk cId="995727716" sldId="257"/>
+            <ac:spMk id="14" creationId="{15D4045E-F975-7386-CA7A-4B883FACDE70}"/>
+          </ac:spMkLst>
+        </pc:spChg>
+        <pc:spChg chg="add del mod">
+          <ac:chgData name="ShuangHeng Wang" userId="a5b42002-4dd7-4474-8229-3ae96bc36a47" providerId="ADAL" clId="{749D29BB-E351-466E-AEE6-80E7B20D4B1E}" dt="2022-11-21T05:31:36.557" v="341" actId="478"/>
+          <ac:spMkLst>
+            <pc:docMk/>
+            <pc:sldMk cId="995727716" sldId="257"/>
+            <ac:spMk id="15" creationId="{0C9E492C-848B-887B-3933-0BDE5E9FD8B7}"/>
+          </ac:spMkLst>
+        </pc:spChg>
+        <pc:spChg chg="add mod ord">
+          <ac:chgData name="ShuangHeng Wang" userId="a5b42002-4dd7-4474-8229-3ae96bc36a47" providerId="ADAL" clId="{749D29BB-E351-466E-AEE6-80E7B20D4B1E}" dt="2022-11-21T05:33:17.140" v="372" actId="1076"/>
+          <ac:spMkLst>
+            <pc:docMk/>
+            <pc:sldMk cId="995727716" sldId="257"/>
+            <ac:spMk id="17" creationId="{B016C0E5-F348-50D7-11DC-B5836EEE177E}"/>
+          </ac:spMkLst>
+        </pc:spChg>
+        <pc:spChg chg="add mod">
+          <ac:chgData name="ShuangHeng Wang" userId="a5b42002-4dd7-4474-8229-3ae96bc36a47" providerId="ADAL" clId="{749D29BB-E351-466E-AEE6-80E7B20D4B1E}" dt="2022-11-21T05:33:08.484" v="369" actId="1035"/>
+          <ac:spMkLst>
+            <pc:docMk/>
+            <pc:sldMk cId="995727716" sldId="257"/>
+            <ac:spMk id="19" creationId="{7F9A0B06-8DC3-8253-819B-3DAF2D7937EA}"/>
+          </ac:spMkLst>
+        </pc:spChg>
+        <pc:spChg chg="del">
+          <ac:chgData name="ShuangHeng Wang" userId="a5b42002-4dd7-4474-8229-3ae96bc36a47" providerId="ADAL" clId="{749D29BB-E351-466E-AEE6-80E7B20D4B1E}" dt="2022-11-21T05:21:14.622" v="217" actId="478"/>
+          <ac:spMkLst>
+            <pc:docMk/>
+            <pc:sldMk cId="995727716" sldId="257"/>
+            <ac:spMk id="21" creationId="{D5623C43-057B-B832-2D33-0EB8FD2A9850}"/>
+          </ac:spMkLst>
+        </pc:spChg>
+        <pc:grpChg chg="del">
+          <ac:chgData name="ShuangHeng Wang" userId="a5b42002-4dd7-4474-8229-3ae96bc36a47" providerId="ADAL" clId="{749D29BB-E351-466E-AEE6-80E7B20D4B1E}" dt="2022-11-21T05:21:14.622" v="217" actId="478"/>
+          <ac:grpSpMkLst>
+            <pc:docMk/>
+            <pc:sldMk cId="995727716" sldId="257"/>
+            <ac:grpSpMk id="20" creationId="{505F7544-6622-2FC0-D5C4-8C0EE6A17F18}"/>
+          </ac:grpSpMkLst>
+        </pc:grpChg>
+        <pc:picChg chg="add mod">
+          <ac:chgData name="ShuangHeng Wang" userId="a5b42002-4dd7-4474-8229-3ae96bc36a47" providerId="ADAL" clId="{749D29BB-E351-466E-AEE6-80E7B20D4B1E}" dt="2022-11-21T05:31:41.014" v="344" actId="1076"/>
+          <ac:picMkLst>
+            <pc:docMk/>
+            <pc:sldMk cId="995727716" sldId="257"/>
+            <ac:picMk id="2" creationId="{1274A4F5-C749-AA7C-EDF2-8D8D2269AAAF}"/>
+          </ac:picMkLst>
+        </pc:picChg>
+        <pc:picChg chg="del">
+          <ac:chgData name="ShuangHeng Wang" userId="a5b42002-4dd7-4474-8229-3ae96bc36a47" providerId="ADAL" clId="{749D29BB-E351-466E-AEE6-80E7B20D4B1E}" dt="2022-11-21T05:21:14.622" v="217" actId="478"/>
+          <ac:picMkLst>
+            <pc:docMk/>
+            <pc:sldMk cId="995727716" sldId="257"/>
+            <ac:picMk id="4" creationId="{80979792-7708-893E-FB15-703E787BF4FB}"/>
+          </ac:picMkLst>
+        </pc:picChg>
+        <pc:picChg chg="del">
+          <ac:chgData name="ShuangHeng Wang" userId="a5b42002-4dd7-4474-8229-3ae96bc36a47" providerId="ADAL" clId="{749D29BB-E351-466E-AEE6-80E7B20D4B1E}" dt="2022-11-21T05:21:14.622" v="217" actId="478"/>
+          <ac:picMkLst>
+            <pc:docMk/>
+            <pc:sldMk cId="995727716" sldId="257"/>
+            <ac:picMk id="11" creationId="{247FC7E8-C132-D0B9-3FD2-79A129881B65}"/>
+          </ac:picMkLst>
+        </pc:picChg>
+        <pc:picChg chg="del">
+          <ac:chgData name="ShuangHeng Wang" userId="a5b42002-4dd7-4474-8229-3ae96bc36a47" providerId="ADAL" clId="{749D29BB-E351-466E-AEE6-80E7B20D4B1E}" dt="2022-11-21T05:21:14.622" v="217" actId="478"/>
+          <ac:picMkLst>
+            <pc:docMk/>
+            <pc:sldMk cId="995727716" sldId="257"/>
+            <ac:picMk id="12" creationId="{907B4888-BBB5-460C-3C77-C1AE13EECD33}"/>
+          </ac:picMkLst>
+        </pc:picChg>
+        <pc:picChg chg="del">
+          <ac:chgData name="ShuangHeng Wang" userId="a5b42002-4dd7-4474-8229-3ae96bc36a47" providerId="ADAL" clId="{749D29BB-E351-466E-AEE6-80E7B20D4B1E}" dt="2022-11-21T05:21:14.622" v="217" actId="478"/>
+          <ac:picMkLst>
+            <pc:docMk/>
+            <pc:sldMk cId="995727716" sldId="257"/>
+            <ac:picMk id="23" creationId="{C001B19C-801A-238B-DC8C-418E68CDACEC}"/>
+          </ac:picMkLst>
+        </pc:picChg>
+        <pc:picChg chg="del">
+          <ac:chgData name="ShuangHeng Wang" userId="a5b42002-4dd7-4474-8229-3ae96bc36a47" providerId="ADAL" clId="{749D29BB-E351-466E-AEE6-80E7B20D4B1E}" dt="2022-11-21T05:21:14.622" v="217" actId="478"/>
+          <ac:picMkLst>
+            <pc:docMk/>
+            <pc:sldMk cId="995727716" sldId="257"/>
+            <ac:picMk id="24" creationId="{C8E75F2E-D802-35A2-64BA-FE3D9D79B0E5}"/>
+          </ac:picMkLst>
+        </pc:picChg>
+        <pc:cxnChg chg="del">
+          <ac:chgData name="ShuangHeng Wang" userId="a5b42002-4dd7-4474-8229-3ae96bc36a47" providerId="ADAL" clId="{749D29BB-E351-466E-AEE6-80E7B20D4B1E}" dt="2022-11-21T05:21:14.622" v="217" actId="478"/>
+          <ac:cxnSpMkLst>
+            <pc:docMk/>
+            <pc:sldMk cId="995727716" sldId="257"/>
+            <ac:cxnSpMk id="26" creationId="{464BB93B-6231-E423-8D82-CBC9F2BF2B0E}"/>
+          </ac:cxnSpMkLst>
+        </pc:cxnChg>
+      </pc:sldChg>
+    </pc:docChg>
+  </pc:docChgLst>
   <pc:docChgLst>
     <pc:chgData name="ShuangHeng Wang" userId="a5b42002-4dd7-4474-8229-3ae96bc36a47" providerId="ADAL" clId="{28399A0C-F2F7-4EFC-9283-735913CB0412}"/>
     <pc:docChg chg="undo redo custSel addSld modSld">
@@ -312,6 +672,523 @@
 </pc:chgInfo>
 </file>
 
+<file path=ppt/notesMasters/notesMaster1.xml><?xml version="1.0" encoding="utf-8"?>
+<p:notesMaster xmlns:a="http://schemas.openxmlformats.org/drawingml/2006/main" xmlns:r="http://schemas.openxmlformats.org/officeDocument/2006/relationships" xmlns:p="http://schemas.openxmlformats.org/presentationml/2006/main">
+  <p:cSld>
+    <p:bg>
+      <p:bgRef idx="1001">
+        <a:schemeClr val="bg1"/>
+      </p:bgRef>
+    </p:bg>
+    <p:spTree>
+      <p:nvGrpSpPr>
+        <p:cNvPr id="1" name=""/>
+        <p:cNvGrpSpPr/>
+        <p:nvPr/>
+      </p:nvGrpSpPr>
+      <p:grpSpPr>
+        <a:xfrm>
+          <a:off x="0" y="0"/>
+          <a:ext cx="0" cy="0"/>
+          <a:chOff x="0" y="0"/>
+          <a:chExt cx="0" cy="0"/>
+        </a:xfrm>
+      </p:grpSpPr>
+      <p:sp>
+        <p:nvSpPr>
+          <p:cNvPr id="2" name="Header Placeholder 1"/>
+          <p:cNvSpPr>
+            <a:spLocks noGrp="1"/>
+          </p:cNvSpPr>
+          <p:nvPr>
+            <p:ph type="hdr" sz="quarter"/>
+          </p:nvPr>
+        </p:nvSpPr>
+        <p:spPr>
+          <a:xfrm>
+            <a:off x="0" y="0"/>
+            <a:ext cx="2971800" cy="458788"/>
+          </a:xfrm>
+          <a:prstGeom prst="rect">
+            <a:avLst/>
+          </a:prstGeom>
+        </p:spPr>
+        <p:txBody>
+          <a:bodyPr vert="horz" lIns="91440" tIns="45720" rIns="91440" bIns="45720" rtlCol="0"/>
+          <a:lstStyle>
+            <a:lvl1pPr algn="l">
+              <a:defRPr sz="1200"/>
+            </a:lvl1pPr>
+          </a:lstStyle>
+          <a:p>
+            <a:endParaRPr lang="en-US"/>
+          </a:p>
+        </p:txBody>
+      </p:sp>
+      <p:sp>
+        <p:nvSpPr>
+          <p:cNvPr id="3" name="Date Placeholder 2"/>
+          <p:cNvSpPr>
+            <a:spLocks noGrp="1"/>
+          </p:cNvSpPr>
+          <p:nvPr>
+            <p:ph type="dt" idx="1"/>
+          </p:nvPr>
+        </p:nvSpPr>
+        <p:spPr>
+          <a:xfrm>
+            <a:off x="3884613" y="0"/>
+            <a:ext cx="2971800" cy="458788"/>
+          </a:xfrm>
+          <a:prstGeom prst="rect">
+            <a:avLst/>
+          </a:prstGeom>
+        </p:spPr>
+        <p:txBody>
+          <a:bodyPr vert="horz" lIns="91440" tIns="45720" rIns="91440" bIns="45720" rtlCol="0"/>
+          <a:lstStyle>
+            <a:lvl1pPr algn="r">
+              <a:defRPr sz="1200"/>
+            </a:lvl1pPr>
+          </a:lstStyle>
+          <a:p>
+            <a:fld id="{76FA5479-AAF2-4695-8930-9A002A6C3ECD}" type="datetimeFigureOut">
+              <a:rPr lang="en-US" smtClean="0"/>
+              <a:t>12/10/2022</a:t>
+            </a:fld>
+            <a:endParaRPr lang="en-US"/>
+          </a:p>
+        </p:txBody>
+      </p:sp>
+      <p:sp>
+        <p:nvSpPr>
+          <p:cNvPr id="4" name="Slide Image Placeholder 3"/>
+          <p:cNvSpPr>
+            <a:spLocks noGrp="1" noRot="1" noChangeAspect="1"/>
+          </p:cNvSpPr>
+          <p:nvPr>
+            <p:ph type="sldImg" idx="2"/>
+          </p:nvPr>
+        </p:nvSpPr>
+        <p:spPr>
+          <a:xfrm>
+            <a:off x="685800" y="1143000"/>
+            <a:ext cx="5486400" cy="3086100"/>
+          </a:xfrm>
+          <a:prstGeom prst="rect">
+            <a:avLst/>
+          </a:prstGeom>
+          <a:noFill/>
+          <a:ln w="12700">
+            <a:solidFill>
+              <a:prstClr val="black"/>
+            </a:solidFill>
+          </a:ln>
+        </p:spPr>
+        <p:txBody>
+          <a:bodyPr vert="horz" lIns="91440" tIns="45720" rIns="91440" bIns="45720" rtlCol="0" anchor="ctr"/>
+          <a:lstStyle/>
+          <a:p>
+            <a:endParaRPr lang="en-US"/>
+          </a:p>
+        </p:txBody>
+      </p:sp>
+      <p:sp>
+        <p:nvSpPr>
+          <p:cNvPr id="5" name="Notes Placeholder 4"/>
+          <p:cNvSpPr>
+            <a:spLocks noGrp="1"/>
+          </p:cNvSpPr>
+          <p:nvPr>
+            <p:ph type="body" sz="quarter" idx="3"/>
+          </p:nvPr>
+        </p:nvSpPr>
+        <p:spPr>
+          <a:xfrm>
+            <a:off x="685800" y="4400550"/>
+            <a:ext cx="5486400" cy="3600450"/>
+          </a:xfrm>
+          <a:prstGeom prst="rect">
+            <a:avLst/>
+          </a:prstGeom>
+        </p:spPr>
+        <p:txBody>
+          <a:bodyPr vert="horz" lIns="91440" tIns="45720" rIns="91440" bIns="45720" rtlCol="0"/>
+          <a:lstStyle/>
+          <a:p>
+            <a:pPr lvl="0"/>
+            <a:r>
+              <a:rPr lang="en-US"/>
+              <a:t>Click to edit Master text styles</a:t>
+            </a:r>
+          </a:p>
+          <a:p>
+            <a:pPr lvl="1"/>
+            <a:r>
+              <a:rPr lang="en-US"/>
+              <a:t>Second level</a:t>
+            </a:r>
+          </a:p>
+          <a:p>
+            <a:pPr lvl="2"/>
+            <a:r>
+              <a:rPr lang="en-US"/>
+              <a:t>Third level</a:t>
+            </a:r>
+          </a:p>
+          <a:p>
+            <a:pPr lvl="3"/>
+            <a:r>
+              <a:rPr lang="en-US"/>
+              <a:t>Fourth level</a:t>
+            </a:r>
+          </a:p>
+          <a:p>
+            <a:pPr lvl="4"/>
+            <a:r>
+              <a:rPr lang="en-US"/>
+              <a:t>Fifth level</a:t>
+            </a:r>
+          </a:p>
+        </p:txBody>
+      </p:sp>
+      <p:sp>
+        <p:nvSpPr>
+          <p:cNvPr id="6" name="Footer Placeholder 5"/>
+          <p:cNvSpPr>
+            <a:spLocks noGrp="1"/>
+          </p:cNvSpPr>
+          <p:nvPr>
+            <p:ph type="ftr" sz="quarter" idx="4"/>
+          </p:nvPr>
+        </p:nvSpPr>
+        <p:spPr>
+          <a:xfrm>
+            <a:off x="0" y="8685213"/>
+            <a:ext cx="2971800" cy="458787"/>
+          </a:xfrm>
+          <a:prstGeom prst="rect">
+            <a:avLst/>
+          </a:prstGeom>
+        </p:spPr>
+        <p:txBody>
+          <a:bodyPr vert="horz" lIns="91440" tIns="45720" rIns="91440" bIns="45720" rtlCol="0" anchor="b"/>
+          <a:lstStyle>
+            <a:lvl1pPr algn="l">
+              <a:defRPr sz="1200"/>
+            </a:lvl1pPr>
+          </a:lstStyle>
+          <a:p>
+            <a:endParaRPr lang="en-US"/>
+          </a:p>
+        </p:txBody>
+      </p:sp>
+      <p:sp>
+        <p:nvSpPr>
+          <p:cNvPr id="7" name="Slide Number Placeholder 6"/>
+          <p:cNvSpPr>
+            <a:spLocks noGrp="1"/>
+          </p:cNvSpPr>
+          <p:nvPr>
+            <p:ph type="sldNum" sz="quarter" idx="5"/>
+          </p:nvPr>
+        </p:nvSpPr>
+        <p:spPr>
+          <a:xfrm>
+            <a:off x="3884613" y="8685213"/>
+            <a:ext cx="2971800" cy="458787"/>
+          </a:xfrm>
+          <a:prstGeom prst="rect">
+            <a:avLst/>
+          </a:prstGeom>
+        </p:spPr>
+        <p:txBody>
+          <a:bodyPr vert="horz" lIns="91440" tIns="45720" rIns="91440" bIns="45720" rtlCol="0" anchor="b"/>
+          <a:lstStyle>
+            <a:lvl1pPr algn="r">
+              <a:defRPr sz="1200"/>
+            </a:lvl1pPr>
+          </a:lstStyle>
+          <a:p>
+            <a:fld id="{F2EC2C22-63A4-4EE6-B0DB-DA48F7957D15}" type="slidenum">
+              <a:rPr lang="en-US" smtClean="0"/>
+              <a:t>‹#›</a:t>
+            </a:fld>
+            <a:endParaRPr lang="en-US"/>
+          </a:p>
+        </p:txBody>
+      </p:sp>
+    </p:spTree>
+    <p:extLst>
+      <p:ext uri="{BB962C8B-B14F-4D97-AF65-F5344CB8AC3E}">
+        <p14:creationId xmlns:p14="http://schemas.microsoft.com/office/powerpoint/2010/main" val="2563109487"/>
+      </p:ext>
+    </p:extLst>
+  </p:cSld>
+  <p:clrMap bg1="lt1" tx1="dk1" bg2="lt2" tx2="dk2" accent1="accent1" accent2="accent2" accent3="accent3" accent4="accent4" accent5="accent5" accent6="accent6" hlink="hlink" folHlink="folHlink"/>
+  <p:notesStyle>
+    <a:lvl1pPr marL="0" algn="l" defTabSz="914400" rtl="0" eaLnBrk="1" latinLnBrk="0" hangingPunct="1">
+      <a:defRPr sz="1200" kern="1200">
+        <a:solidFill>
+          <a:schemeClr val="tx1"/>
+        </a:solidFill>
+        <a:latin typeface="+mn-lt"/>
+        <a:ea typeface="+mn-ea"/>
+        <a:cs typeface="+mn-cs"/>
+      </a:defRPr>
+    </a:lvl1pPr>
+    <a:lvl2pPr marL="457200" algn="l" defTabSz="914400" rtl="0" eaLnBrk="1" latinLnBrk="0" hangingPunct="1">
+      <a:defRPr sz="1200" kern="1200">
+        <a:solidFill>
+          <a:schemeClr val="tx1"/>
+        </a:solidFill>
+        <a:latin typeface="+mn-lt"/>
+        <a:ea typeface="+mn-ea"/>
+        <a:cs typeface="+mn-cs"/>
+      </a:defRPr>
+    </a:lvl2pPr>
+    <a:lvl3pPr marL="914400" algn="l" defTabSz="914400" rtl="0" eaLnBrk="1" latinLnBrk="0" hangingPunct="1">
+      <a:defRPr sz="1200" kern="1200">
+        <a:solidFill>
+          <a:schemeClr val="tx1"/>
+        </a:solidFill>
+        <a:latin typeface="+mn-lt"/>
+        <a:ea typeface="+mn-ea"/>
+        <a:cs typeface="+mn-cs"/>
+      </a:defRPr>
+    </a:lvl3pPr>
+    <a:lvl4pPr marL="1371600" algn="l" defTabSz="914400" rtl="0" eaLnBrk="1" latinLnBrk="0" hangingPunct="1">
+      <a:defRPr sz="1200" kern="1200">
+        <a:solidFill>
+          <a:schemeClr val="tx1"/>
+        </a:solidFill>
+        <a:latin typeface="+mn-lt"/>
+        <a:ea typeface="+mn-ea"/>
+        <a:cs typeface="+mn-cs"/>
+      </a:defRPr>
+    </a:lvl4pPr>
+    <a:lvl5pPr marL="1828800" algn="l" defTabSz="914400" rtl="0" eaLnBrk="1" latinLnBrk="0" hangingPunct="1">
+      <a:defRPr sz="1200" kern="1200">
+        <a:solidFill>
+          <a:schemeClr val="tx1"/>
+        </a:solidFill>
+        <a:latin typeface="+mn-lt"/>
+        <a:ea typeface="+mn-ea"/>
+        <a:cs typeface="+mn-cs"/>
+      </a:defRPr>
+    </a:lvl5pPr>
+    <a:lvl6pPr marL="2286000" algn="l" defTabSz="914400" rtl="0" eaLnBrk="1" latinLnBrk="0" hangingPunct="1">
+      <a:defRPr sz="1200" kern="1200">
+        <a:solidFill>
+          <a:schemeClr val="tx1"/>
+        </a:solidFill>
+        <a:latin typeface="+mn-lt"/>
+        <a:ea typeface="+mn-ea"/>
+        <a:cs typeface="+mn-cs"/>
+      </a:defRPr>
+    </a:lvl6pPr>
+    <a:lvl7pPr marL="2743200" algn="l" defTabSz="914400" rtl="0" eaLnBrk="1" latinLnBrk="0" hangingPunct="1">
+      <a:defRPr sz="1200" kern="1200">
+        <a:solidFill>
+          <a:schemeClr val="tx1"/>
+        </a:solidFill>
+        <a:latin typeface="+mn-lt"/>
+        <a:ea typeface="+mn-ea"/>
+        <a:cs typeface="+mn-cs"/>
+      </a:defRPr>
+    </a:lvl7pPr>
+    <a:lvl8pPr marL="3200400" algn="l" defTabSz="914400" rtl="0" eaLnBrk="1" latinLnBrk="0" hangingPunct="1">
+      <a:defRPr sz="1200" kern="1200">
+        <a:solidFill>
+          <a:schemeClr val="tx1"/>
+        </a:solidFill>
+        <a:latin typeface="+mn-lt"/>
+        <a:ea typeface="+mn-ea"/>
+        <a:cs typeface="+mn-cs"/>
+      </a:defRPr>
+    </a:lvl8pPr>
+    <a:lvl9pPr marL="3657600" algn="l" defTabSz="914400" rtl="0" eaLnBrk="1" latinLnBrk="0" hangingPunct="1">
+      <a:defRPr sz="1200" kern="1200">
+        <a:solidFill>
+          <a:schemeClr val="tx1"/>
+        </a:solidFill>
+        <a:latin typeface="+mn-lt"/>
+        <a:ea typeface="+mn-ea"/>
+        <a:cs typeface="+mn-cs"/>
+      </a:defRPr>
+    </a:lvl9pPr>
+  </p:notesStyle>
+</p:notesMaster>
+</file>
+
+<file path=ppt/notesSlides/notesSlide1.xml><?xml version="1.0" encoding="utf-8"?>
+<p:notes xmlns:a="http://schemas.openxmlformats.org/drawingml/2006/main" xmlns:r="http://schemas.openxmlformats.org/officeDocument/2006/relationships" xmlns:p="http://schemas.openxmlformats.org/presentationml/2006/main">
+  <p:cSld>
+    <p:spTree>
+      <p:nvGrpSpPr>
+        <p:cNvPr id="1" name=""/>
+        <p:cNvGrpSpPr/>
+        <p:nvPr/>
+      </p:nvGrpSpPr>
+      <p:grpSpPr>
+        <a:xfrm>
+          <a:off x="0" y="0"/>
+          <a:ext cx="0" cy="0"/>
+          <a:chOff x="0" y="0"/>
+          <a:chExt cx="0" cy="0"/>
+        </a:xfrm>
+      </p:grpSpPr>
+      <p:sp>
+        <p:nvSpPr>
+          <p:cNvPr id="2" name="Slide Image Placeholder 1"/>
+          <p:cNvSpPr>
+            <a:spLocks noGrp="1" noRot="1" noChangeAspect="1"/>
+          </p:cNvSpPr>
+          <p:nvPr>
+            <p:ph type="sldImg"/>
+          </p:nvPr>
+        </p:nvSpPr>
+        <p:spPr/>
+      </p:sp>
+      <p:sp>
+        <p:nvSpPr>
+          <p:cNvPr id="3" name="Notes Placeholder 2"/>
+          <p:cNvSpPr>
+            <a:spLocks noGrp="1"/>
+          </p:cNvSpPr>
+          <p:nvPr>
+            <p:ph type="body" idx="1"/>
+          </p:nvPr>
+        </p:nvSpPr>
+        <p:spPr/>
+        <p:txBody>
+          <a:bodyPr/>
+          <a:lstStyle/>
+          <a:p>
+            <a:endParaRPr lang="en-US" dirty="0"/>
+          </a:p>
+        </p:txBody>
+      </p:sp>
+      <p:sp>
+        <p:nvSpPr>
+          <p:cNvPr id="4" name="Slide Number Placeholder 3"/>
+          <p:cNvSpPr>
+            <a:spLocks noGrp="1"/>
+          </p:cNvSpPr>
+          <p:nvPr>
+            <p:ph type="sldNum" sz="quarter" idx="5"/>
+          </p:nvPr>
+        </p:nvSpPr>
+        <p:spPr/>
+        <p:txBody>
+          <a:bodyPr/>
+          <a:lstStyle/>
+          <a:p>
+            <a:fld id="{F2EC2C22-63A4-4EE6-B0DB-DA48F7957D15}" type="slidenum">
+              <a:rPr lang="en-US" smtClean="0"/>
+              <a:t>1</a:t>
+            </a:fld>
+            <a:endParaRPr lang="en-US"/>
+          </a:p>
+        </p:txBody>
+      </p:sp>
+    </p:spTree>
+    <p:extLst>
+      <p:ext uri="{BB962C8B-B14F-4D97-AF65-F5344CB8AC3E}">
+        <p14:creationId xmlns:p14="http://schemas.microsoft.com/office/powerpoint/2010/main" val="2379124943"/>
+      </p:ext>
+    </p:extLst>
+  </p:cSld>
+  <p:clrMapOvr>
+    <a:masterClrMapping/>
+  </p:clrMapOvr>
+</p:notes>
+</file>
+
+<file path=ppt/notesSlides/notesSlide2.xml><?xml version="1.0" encoding="utf-8"?>
+<p:notes xmlns:a="http://schemas.openxmlformats.org/drawingml/2006/main" xmlns:r="http://schemas.openxmlformats.org/officeDocument/2006/relationships" xmlns:p="http://schemas.openxmlformats.org/presentationml/2006/main">
+  <p:cSld>
+    <p:spTree>
+      <p:nvGrpSpPr>
+        <p:cNvPr id="1" name=""/>
+        <p:cNvGrpSpPr/>
+        <p:nvPr/>
+      </p:nvGrpSpPr>
+      <p:grpSpPr>
+        <a:xfrm>
+          <a:off x="0" y="0"/>
+          <a:ext cx="0" cy="0"/>
+          <a:chOff x="0" y="0"/>
+          <a:chExt cx="0" cy="0"/>
+        </a:xfrm>
+      </p:grpSpPr>
+      <p:sp>
+        <p:nvSpPr>
+          <p:cNvPr id="2" name="Slide Image Placeholder 1"/>
+          <p:cNvSpPr>
+            <a:spLocks noGrp="1" noRot="1" noChangeAspect="1"/>
+          </p:cNvSpPr>
+          <p:nvPr>
+            <p:ph type="sldImg"/>
+          </p:nvPr>
+        </p:nvSpPr>
+        <p:spPr/>
+      </p:sp>
+      <p:sp>
+        <p:nvSpPr>
+          <p:cNvPr id="3" name="Notes Placeholder 2"/>
+          <p:cNvSpPr>
+            <a:spLocks noGrp="1"/>
+          </p:cNvSpPr>
+          <p:nvPr>
+            <p:ph type="body" idx="1"/>
+          </p:nvPr>
+        </p:nvSpPr>
+        <p:spPr/>
+        <p:txBody>
+          <a:bodyPr/>
+          <a:lstStyle/>
+          <a:p>
+            <a:endParaRPr lang="en-US" dirty="0"/>
+          </a:p>
+        </p:txBody>
+      </p:sp>
+      <p:sp>
+        <p:nvSpPr>
+          <p:cNvPr id="4" name="Slide Number Placeholder 3"/>
+          <p:cNvSpPr>
+            <a:spLocks noGrp="1"/>
+          </p:cNvSpPr>
+          <p:nvPr>
+            <p:ph type="sldNum" sz="quarter" idx="5"/>
+          </p:nvPr>
+        </p:nvSpPr>
+        <p:spPr/>
+        <p:txBody>
+          <a:bodyPr/>
+          <a:lstStyle/>
+          <a:p>
+            <a:fld id="{F2EC2C22-63A4-4EE6-B0DB-DA48F7957D15}" type="slidenum">
+              <a:rPr lang="en-US" smtClean="0"/>
+              <a:t>2</a:t>
+            </a:fld>
+            <a:endParaRPr lang="en-US"/>
+          </a:p>
+        </p:txBody>
+      </p:sp>
+    </p:spTree>
+    <p:extLst>
+      <p:ext uri="{BB962C8B-B14F-4D97-AF65-F5344CB8AC3E}">
+        <p14:creationId xmlns:p14="http://schemas.microsoft.com/office/powerpoint/2010/main" val="874109929"/>
+      </p:ext>
+    </p:extLst>
+  </p:cSld>
+  <p:clrMapOvr>
+    <a:masterClrMapping/>
+  </p:clrMapOvr>
+</p:notes>
+</file>
+
 <file path=ppt/slideLayouts/slideLayout1.xml><?xml version="1.0" encoding="utf-8"?>
 <p:sldLayout xmlns:a="http://schemas.openxmlformats.org/drawingml/2006/main" xmlns:r="http://schemas.openxmlformats.org/officeDocument/2006/relationships" xmlns:p="http://schemas.openxmlformats.org/presentationml/2006/main" type="title" preserve="1">
   <p:cSld name="Title Slide">
@@ -459,7 +1336,7 @@
           <a:p>
             <a:fld id="{2A25481C-1AA3-466E-A4F2-C3D703ED5C5C}" type="datetimeFigureOut">
               <a:rPr lang="en-US" smtClean="0"/>
-              <a:t>10/8/2022</a:t>
+              <a:t>12/10/2022</a:t>
             </a:fld>
             <a:endParaRPr lang="en-US"/>
           </a:p>
@@ -657,7 +1534,7 @@
           <a:p>
             <a:fld id="{2A25481C-1AA3-466E-A4F2-C3D703ED5C5C}" type="datetimeFigureOut">
               <a:rPr lang="en-US" smtClean="0"/>
-              <a:t>10/8/2022</a:t>
+              <a:t>12/10/2022</a:t>
             </a:fld>
             <a:endParaRPr lang="en-US"/>
           </a:p>
@@ -865,7 +1742,7 @@
           <a:p>
             <a:fld id="{2A25481C-1AA3-466E-A4F2-C3D703ED5C5C}" type="datetimeFigureOut">
               <a:rPr lang="en-US" smtClean="0"/>
-              <a:t>10/8/2022</a:t>
+              <a:t>12/10/2022</a:t>
             </a:fld>
             <a:endParaRPr lang="en-US"/>
           </a:p>
@@ -1063,7 +1940,7 @@
           <a:p>
             <a:fld id="{2A25481C-1AA3-466E-A4F2-C3D703ED5C5C}" type="datetimeFigureOut">
               <a:rPr lang="en-US" smtClean="0"/>
-              <a:t>10/8/2022</a:t>
+              <a:t>12/10/2022</a:t>
             </a:fld>
             <a:endParaRPr lang="en-US"/>
           </a:p>
@@ -1338,7 +2215,7 @@
           <a:p>
             <a:fld id="{2A25481C-1AA3-466E-A4F2-C3D703ED5C5C}" type="datetimeFigureOut">
               <a:rPr lang="en-US" smtClean="0"/>
-              <a:t>10/8/2022</a:t>
+              <a:t>12/10/2022</a:t>
             </a:fld>
             <a:endParaRPr lang="en-US"/>
           </a:p>
@@ -1603,7 +2480,7 @@
           <a:p>
             <a:fld id="{2A25481C-1AA3-466E-A4F2-C3D703ED5C5C}" type="datetimeFigureOut">
               <a:rPr lang="en-US" smtClean="0"/>
-              <a:t>10/8/2022</a:t>
+              <a:t>12/10/2022</a:t>
             </a:fld>
             <a:endParaRPr lang="en-US"/>
           </a:p>
@@ -2015,7 +2892,7 @@
           <a:p>
             <a:fld id="{2A25481C-1AA3-466E-A4F2-C3D703ED5C5C}" type="datetimeFigureOut">
               <a:rPr lang="en-US" smtClean="0"/>
-              <a:t>10/8/2022</a:t>
+              <a:t>12/10/2022</a:t>
             </a:fld>
             <a:endParaRPr lang="en-US"/>
           </a:p>
@@ -2156,7 +3033,7 @@
           <a:p>
             <a:fld id="{2A25481C-1AA3-466E-A4F2-C3D703ED5C5C}" type="datetimeFigureOut">
               <a:rPr lang="en-US" smtClean="0"/>
-              <a:t>10/8/2022</a:t>
+              <a:t>12/10/2022</a:t>
             </a:fld>
             <a:endParaRPr lang="en-US"/>
           </a:p>
@@ -2269,7 +3146,7 @@
           <a:p>
             <a:fld id="{2A25481C-1AA3-466E-A4F2-C3D703ED5C5C}" type="datetimeFigureOut">
               <a:rPr lang="en-US" smtClean="0"/>
-              <a:t>10/8/2022</a:t>
+              <a:t>12/10/2022</a:t>
             </a:fld>
             <a:endParaRPr lang="en-US"/>
           </a:p>
@@ -2580,7 +3457,7 @@
           <a:p>
             <a:fld id="{2A25481C-1AA3-466E-A4F2-C3D703ED5C5C}" type="datetimeFigureOut">
               <a:rPr lang="en-US" smtClean="0"/>
-              <a:t>10/8/2022</a:t>
+              <a:t>12/10/2022</a:t>
             </a:fld>
             <a:endParaRPr lang="en-US"/>
           </a:p>
@@ -2868,7 +3745,7 @@
           <a:p>
             <a:fld id="{2A25481C-1AA3-466E-A4F2-C3D703ED5C5C}" type="datetimeFigureOut">
               <a:rPr lang="en-US" smtClean="0"/>
-              <a:t>10/8/2022</a:t>
+              <a:t>12/10/2022</a:t>
             </a:fld>
             <a:endParaRPr lang="en-US"/>
           </a:p>
@@ -3109,7 +3986,7 @@
           <a:p>
             <a:fld id="{2A25481C-1AA3-466E-A4F2-C3D703ED5C5C}" type="datetimeFigureOut">
               <a:rPr lang="en-US" smtClean="0"/>
-              <a:t>10/8/2022</a:t>
+              <a:t>12/10/2022</a:t>
             </a:fld>
             <a:endParaRPr lang="en-US"/>
           </a:p>
@@ -3541,7 +4418,7 @@
           <p:nvPr/>
         </p:nvPicPr>
         <p:blipFill>
-          <a:blip r:embed="rId2">
+          <a:blip r:embed="rId3">
             <a:extLst>
               <a:ext uri="{28A0092B-C50C-407E-A947-70E740481C1C}">
                 <a14:useLocalDpi xmlns:a14="http://schemas.microsoft.com/office/drawing/2010/main" val="0"/>
@@ -3555,7 +4432,7 @@
         </p:blipFill>
         <p:spPr bwMode="auto">
           <a:xfrm>
-            <a:off x="28575" y="102235"/>
+            <a:off x="354301" y="799597"/>
             <a:ext cx="6336665" cy="2130425"/>
           </a:xfrm>
           <a:prstGeom prst="rect">
@@ -3579,7 +4456,7 @@
           <p:nvPr/>
         </p:nvPicPr>
         <p:blipFill rotWithShape="1">
-          <a:blip r:embed="rId3">
+          <a:blip r:embed="rId4">
             <a:extLst>
               <a:ext uri="{28A0092B-C50C-407E-A947-70E740481C1C}">
                 <a14:useLocalDpi xmlns:a14="http://schemas.microsoft.com/office/drawing/2010/main" val="0"/>
@@ -3591,7 +4468,7 @@
         </p:blipFill>
         <p:spPr>
           <a:xfrm>
-            <a:off x="1948787" y="225424"/>
+            <a:off x="2274513" y="922786"/>
             <a:ext cx="673100" cy="752476"/>
           </a:xfrm>
           <a:prstGeom prst="rect">
@@ -3614,7 +4491,7 @@
           <p:nvPr/>
         </p:nvPicPr>
         <p:blipFill rotWithShape="1">
-          <a:blip r:embed="rId4">
+          <a:blip r:embed="rId5">
             <a:extLst>
               <a:ext uri="{28A0092B-C50C-407E-A947-70E740481C1C}">
                 <a14:useLocalDpi xmlns:a14="http://schemas.microsoft.com/office/drawing/2010/main" val="0"/>
@@ -3626,7 +4503,7 @@
         </p:blipFill>
         <p:spPr bwMode="auto">
           <a:xfrm>
-            <a:off x="199361" y="2349955"/>
+            <a:off x="557500" y="3429000"/>
             <a:ext cx="2965133" cy="2207260"/>
           </a:xfrm>
           <a:prstGeom prst="rect">
@@ -3635,12 +4512,129 @@
           <a:noFill/>
         </p:spPr>
       </p:pic>
+      <p:grpSp>
+        <p:nvGrpSpPr>
+          <p:cNvPr id="20" name="Group 19">
+            <a:extLst>
+              <a:ext uri="{FF2B5EF4-FFF2-40B4-BE49-F238E27FC236}">
+                <a16:creationId xmlns:a16="http://schemas.microsoft.com/office/drawing/2014/main" id="{505F7544-6622-2FC0-D5C4-8C0EE6A17F18}"/>
+              </a:ext>
+            </a:extLst>
+          </p:cNvPr>
+          <p:cNvGrpSpPr/>
+          <p:nvPr/>
+        </p:nvGrpSpPr>
+        <p:grpSpPr>
+          <a:xfrm>
+            <a:off x="3613914" y="3513074"/>
+            <a:ext cx="3456697" cy="2039112"/>
+            <a:chOff x="3371523" y="4668716"/>
+            <a:chExt cx="3456697" cy="2039112"/>
+          </a:xfrm>
+        </p:grpSpPr>
+        <p:pic>
+          <p:nvPicPr>
+            <p:cNvPr id="16" name="Picture 15">
+              <a:extLst>
+                <a:ext uri="{FF2B5EF4-FFF2-40B4-BE49-F238E27FC236}">
+                  <a16:creationId xmlns:a16="http://schemas.microsoft.com/office/drawing/2014/main" id="{DF3B8A45-44DB-8519-86F4-EB7E07FF0CF4}"/>
+                </a:ext>
+              </a:extLst>
+            </p:cNvPr>
+            <p:cNvPicPr>
+              <a:picLocks noChangeAspect="1"/>
+            </p:cNvPicPr>
+            <p:nvPr/>
+          </p:nvPicPr>
+          <p:blipFill>
+            <a:blip r:embed="rId6"/>
+            <a:stretch>
+              <a:fillRect/>
+            </a:stretch>
+          </p:blipFill>
+          <p:spPr>
+            <a:xfrm>
+              <a:off x="3371523" y="4668716"/>
+              <a:ext cx="1749499" cy="2039112"/>
+            </a:xfrm>
+            <a:prstGeom prst="rect">
+              <a:avLst/>
+            </a:prstGeom>
+          </p:spPr>
+        </p:pic>
+        <p:pic>
+          <p:nvPicPr>
+            <p:cNvPr id="18" name="Picture 17">
+              <a:extLst>
+                <a:ext uri="{FF2B5EF4-FFF2-40B4-BE49-F238E27FC236}">
+                  <a16:creationId xmlns:a16="http://schemas.microsoft.com/office/drawing/2014/main" id="{EF0A0D00-3CFA-476F-12DA-A2514E4F2E3C}"/>
+                </a:ext>
+              </a:extLst>
+            </p:cNvPr>
+            <p:cNvPicPr>
+              <a:picLocks noChangeAspect="1"/>
+            </p:cNvPicPr>
+            <p:nvPr/>
+          </p:nvPicPr>
+          <p:blipFill>
+            <a:blip r:embed="rId7"/>
+            <a:stretch>
+              <a:fillRect/>
+            </a:stretch>
+          </p:blipFill>
+          <p:spPr>
+            <a:xfrm>
+              <a:off x="5090542" y="4668716"/>
+              <a:ext cx="1737678" cy="2039112"/>
+            </a:xfrm>
+            <a:prstGeom prst="rect">
+              <a:avLst/>
+            </a:prstGeom>
+          </p:spPr>
+        </p:pic>
+      </p:grpSp>
+      <p:sp>
+        <p:nvSpPr>
+          <p:cNvPr id="21" name="TextBox 20">
+            <a:extLst>
+              <a:ext uri="{FF2B5EF4-FFF2-40B4-BE49-F238E27FC236}">
+                <a16:creationId xmlns:a16="http://schemas.microsoft.com/office/drawing/2014/main" id="{D5623C43-057B-B832-2D33-0EB8FD2A9850}"/>
+              </a:ext>
+            </a:extLst>
+          </p:cNvPr>
+          <p:cNvSpPr txBox="1"/>
+          <p:nvPr/>
+        </p:nvSpPr>
+        <p:spPr>
+          <a:xfrm>
+            <a:off x="3375510" y="3399002"/>
+            <a:ext cx="271228" cy="215444"/>
+          </a:xfrm>
+          <a:prstGeom prst="rect">
+            <a:avLst/>
+          </a:prstGeom>
+          <a:noFill/>
+        </p:spPr>
+        <p:txBody>
+          <a:bodyPr wrap="none" rtlCol="0">
+            <a:spAutoFit/>
+          </a:bodyPr>
+          <a:lstStyle/>
+          <a:p>
+            <a:r>
+              <a:rPr lang="en-US" sz="800" b="1" dirty="0"/>
+              <a:t>b)</a:t>
+            </a:r>
+            <a:endParaRPr lang="en-US" sz="1600" b="1" dirty="0"/>
+          </a:p>
+        </p:txBody>
+      </p:sp>
       <p:pic>
         <p:nvPicPr>
-          <p:cNvPr id="33" name="Picture 32">
-            <a:extLst>
-              <a:ext uri="{FF2B5EF4-FFF2-40B4-BE49-F238E27FC236}">
-                <a16:creationId xmlns:a16="http://schemas.microsoft.com/office/drawing/2014/main" id="{7AFA2948-4B7D-210C-D952-B863F96F6AEA}"/>
+          <p:cNvPr id="23" name="Picture 22">
+            <a:extLst>
+              <a:ext uri="{FF2B5EF4-FFF2-40B4-BE49-F238E27FC236}">
+                <a16:creationId xmlns:a16="http://schemas.microsoft.com/office/drawing/2014/main" id="{C001B19C-801A-238B-DC8C-418E68CDACEC}"/>
               </a:ext>
             </a:extLst>
           </p:cNvPr>
@@ -3650,15 +4644,21 @@
           <p:nvPr/>
         </p:nvPicPr>
         <p:blipFill>
-          <a:blip r:embed="rId5"/>
+          <a:blip r:embed="rId4">
+            <a:extLst>
+              <a:ext uri="{28A0092B-C50C-407E-A947-70E740481C1C}">
+                <a14:useLocalDpi xmlns:a14="http://schemas.microsoft.com/office/drawing/2010/main" val="0"/>
+              </a:ext>
+            </a:extLst>
+          </a:blip>
           <a:stretch>
             <a:fillRect/>
           </a:stretch>
         </p:blipFill>
         <p:spPr>
           <a:xfrm>
-            <a:off x="4947313" y="2433500"/>
-            <a:ext cx="1750406" cy="2040170"/>
+            <a:off x="8546452" y="330278"/>
+            <a:ext cx="3291247" cy="2468436"/>
           </a:xfrm>
           <a:prstGeom prst="rect">
             <a:avLst/>
@@ -3667,10 +4667,1129 @@
       </p:pic>
       <p:pic>
         <p:nvPicPr>
-          <p:cNvPr id="35" name="Picture 34">
-            <a:extLst>
-              <a:ext uri="{FF2B5EF4-FFF2-40B4-BE49-F238E27FC236}">
-                <a16:creationId xmlns:a16="http://schemas.microsoft.com/office/drawing/2014/main" id="{387EAE62-A0B0-592B-7358-41EEAA3B0D9B}"/>
+          <p:cNvPr id="24" name="Picture 23">
+            <a:extLst>
+              <a:ext uri="{FF2B5EF4-FFF2-40B4-BE49-F238E27FC236}">
+                <a16:creationId xmlns:a16="http://schemas.microsoft.com/office/drawing/2014/main" id="{C8E75F2E-D802-35A2-64BA-FE3D9D79B0E5}"/>
+              </a:ext>
+            </a:extLst>
+          </p:cNvPr>
+          <p:cNvPicPr>
+            <a:picLocks noChangeAspect="1"/>
+          </p:cNvPicPr>
+          <p:nvPr/>
+        </p:nvPicPr>
+        <p:blipFill rotWithShape="1">
+          <a:blip r:embed="rId4">
+            <a:extLst>
+              <a:ext uri="{28A0092B-C50C-407E-A947-70E740481C1C}">
+                <a14:useLocalDpi xmlns:a14="http://schemas.microsoft.com/office/drawing/2010/main" val="0"/>
+              </a:ext>
+            </a:extLst>
+          </a:blip>
+          <a:srcRect l="16206" t="42489" r="68605" b="34883"/>
+          <a:stretch/>
+        </p:blipFill>
+        <p:spPr>
+          <a:xfrm>
+            <a:off x="785813" y="1319213"/>
+            <a:ext cx="585787" cy="638175"/>
+          </a:xfrm>
+          <a:prstGeom prst="rect">
+            <a:avLst/>
+          </a:prstGeom>
+        </p:spPr>
+      </p:pic>
+      <p:cxnSp>
+        <p:nvCxnSpPr>
+          <p:cNvPr id="26" name="Straight Arrow Connector 25">
+            <a:extLst>
+              <a:ext uri="{FF2B5EF4-FFF2-40B4-BE49-F238E27FC236}">
+                <a16:creationId xmlns:a16="http://schemas.microsoft.com/office/drawing/2014/main" id="{464BB93B-6231-E423-8D82-CBC9F2BF2B0E}"/>
+              </a:ext>
+            </a:extLst>
+          </p:cNvPr>
+          <p:cNvCxnSpPr>
+            <a:cxnSpLocks/>
+          </p:cNvCxnSpPr>
+          <p:nvPr/>
+        </p:nvCxnSpPr>
+        <p:spPr>
+          <a:xfrm flipH="1" flipV="1">
+            <a:off x="1212056" y="1926431"/>
+            <a:ext cx="183357" cy="781050"/>
+          </a:xfrm>
+          <a:prstGeom prst="straightConnector1">
+            <a:avLst/>
+          </a:prstGeom>
+          <a:ln w="12700">
+            <a:solidFill>
+              <a:srgbClr val="FF0000"/>
+            </a:solidFill>
+            <a:tailEnd type="stealth" w="sm" len="sm"/>
+          </a:ln>
+        </p:spPr>
+        <p:style>
+          <a:lnRef idx="1">
+            <a:schemeClr val="accent1"/>
+          </a:lnRef>
+          <a:fillRef idx="0">
+            <a:schemeClr val="accent1"/>
+          </a:fillRef>
+          <a:effectRef idx="0">
+            <a:schemeClr val="accent1"/>
+          </a:effectRef>
+          <a:fontRef idx="minor">
+            <a:schemeClr val="tx1"/>
+          </a:fontRef>
+        </p:style>
+      </p:cxnSp>
+      <p:sp>
+        <p:nvSpPr>
+          <p:cNvPr id="3" name="Rectangle 2">
+            <a:extLst>
+              <a:ext uri="{FF2B5EF4-FFF2-40B4-BE49-F238E27FC236}">
+                <a16:creationId xmlns:a16="http://schemas.microsoft.com/office/drawing/2014/main" id="{B355A92E-1986-F6AE-083A-5D31F4030217}"/>
+              </a:ext>
+            </a:extLst>
+          </p:cNvPr>
+          <p:cNvSpPr/>
+          <p:nvPr/>
+        </p:nvSpPr>
+        <p:spPr>
+          <a:xfrm>
+            <a:off x="1674019" y="3976325"/>
+            <a:ext cx="133350" cy="307437"/>
+          </a:xfrm>
+          <a:prstGeom prst="rect">
+            <a:avLst/>
+          </a:prstGeom>
+          <a:solidFill>
+            <a:schemeClr val="bg1"/>
+          </a:solidFill>
+          <a:ln>
+            <a:noFill/>
+          </a:ln>
+        </p:spPr>
+        <p:style>
+          <a:lnRef idx="2">
+            <a:schemeClr val="accent1">
+              <a:shade val="50000"/>
+            </a:schemeClr>
+          </a:lnRef>
+          <a:fillRef idx="1">
+            <a:schemeClr val="accent1"/>
+          </a:fillRef>
+          <a:effectRef idx="0">
+            <a:schemeClr val="accent1"/>
+          </a:effectRef>
+          <a:fontRef idx="minor">
+            <a:schemeClr val="lt1"/>
+          </a:fontRef>
+        </p:style>
+        <p:txBody>
+          <a:bodyPr rtlCol="0" anchor="ctr"/>
+          <a:lstStyle/>
+          <a:p>
+            <a:pPr algn="ctr"/>
+            <a:endParaRPr lang="en-US"/>
+          </a:p>
+        </p:txBody>
+      </p:sp>
+      <mc:AlternateContent xmlns:mc="http://schemas.openxmlformats.org/markup-compatibility/2006" xmlns:a14="http://schemas.microsoft.com/office/drawing/2010/main">
+        <mc:Choice Requires="a14">
+          <p:sp>
+            <p:nvSpPr>
+              <p:cNvPr id="2" name="TextBox 1">
+                <a:extLst>
+                  <a:ext uri="{FF2B5EF4-FFF2-40B4-BE49-F238E27FC236}">
+                    <a16:creationId xmlns:a16="http://schemas.microsoft.com/office/drawing/2014/main" id="{DE945464-83AA-A5AC-6C77-BE3D844F868B}"/>
+                  </a:ext>
+                </a:extLst>
+              </p:cNvPr>
+              <p:cNvSpPr txBox="1"/>
+              <p:nvPr/>
+            </p:nvSpPr>
+            <p:spPr>
+              <a:xfrm rot="16200000">
+                <a:off x="1614386" y="4087644"/>
+                <a:ext cx="231025" cy="123111"/>
+              </a:xfrm>
+              <a:prstGeom prst="rect">
+                <a:avLst/>
+              </a:prstGeom>
+              <a:noFill/>
+            </p:spPr>
+            <p:txBody>
+              <a:bodyPr wrap="none" lIns="0" tIns="0" rIns="0" bIns="0" rtlCol="0">
+                <a:spAutoFit/>
+              </a:bodyPr>
+              <a:lstStyle/>
+              <a:p>
+                <a:pPr/>
+                <a14:m>
+                  <m:oMathPara xmlns:m="http://schemas.openxmlformats.org/officeDocument/2006/math">
+                    <m:oMathParaPr>
+                      <m:jc m:val="centerGroup"/>
+                    </m:oMathParaPr>
+                    <m:oMath xmlns:m="http://schemas.openxmlformats.org/officeDocument/2006/math">
+                      <m:r>
+                        <a:rPr lang="en-US" sz="800" b="0" i="1" smtClean="0">
+                          <a:latin typeface="Cambria Math" panose="02040503050406030204" pitchFamily="18" charset="0"/>
+                        </a:rPr>
+                        <m:t>𝜇</m:t>
+                      </m:r>
+                      <m:r>
+                        <a:rPr lang="en-US" sz="800" b="0" i="1" smtClean="0">
+                          <a:latin typeface="Cambria Math" panose="02040503050406030204" pitchFamily="18" charset="0"/>
+                        </a:rPr>
+                        <m:t>(</m:t>
+                      </m:r>
+                      <m:r>
+                        <a:rPr lang="en-US" sz="800" b="0" i="1" smtClean="0">
+                          <a:latin typeface="Cambria Math" panose="02040503050406030204" pitchFamily="18" charset="0"/>
+                        </a:rPr>
+                        <m:t>𝑇</m:t>
+                      </m:r>
+                      <m:r>
+                        <a:rPr lang="en-US" sz="800" b="0" i="1" smtClean="0">
+                          <a:latin typeface="Cambria Math" panose="02040503050406030204" pitchFamily="18" charset="0"/>
+                        </a:rPr>
+                        <m:t>)</m:t>
+                      </m:r>
+                    </m:oMath>
+                  </m:oMathPara>
+                </a14:m>
+                <a:endParaRPr lang="en-US" sz="800" dirty="0"/>
+              </a:p>
+            </p:txBody>
+          </p:sp>
+        </mc:Choice>
+        <mc:Fallback xmlns="">
+          <p:sp>
+            <p:nvSpPr>
+              <p:cNvPr id="2" name="TextBox 1">
+                <a:extLst>
+                  <a:ext uri="{FF2B5EF4-FFF2-40B4-BE49-F238E27FC236}">
+                    <a16:creationId xmlns:a16="http://schemas.microsoft.com/office/drawing/2014/main" id="{DE945464-83AA-A5AC-6C77-BE3D844F868B}"/>
+                  </a:ext>
+                </a:extLst>
+              </p:cNvPr>
+              <p:cNvSpPr txBox="1">
+                <a:spLocks noRot="1" noChangeAspect="1" noMove="1" noResize="1" noEditPoints="1" noAdjustHandles="1" noChangeArrowheads="1" noChangeShapeType="1" noTextEdit="1"/>
+              </p:cNvSpPr>
+              <p:nvPr/>
+            </p:nvSpPr>
+            <p:spPr>
+              <a:xfrm rot="16200000">
+                <a:off x="1614386" y="4087644"/>
+                <a:ext cx="231025" cy="123111"/>
+              </a:xfrm>
+              <a:prstGeom prst="rect">
+                <a:avLst/>
+              </a:prstGeom>
+              <a:blipFill>
+                <a:blip r:embed="rId8"/>
+                <a:stretch>
+                  <a:fillRect l="-5000" t="-18421" r="-40000" b="-10526"/>
+                </a:stretch>
+              </a:blipFill>
+            </p:spPr>
+            <p:txBody>
+              <a:bodyPr/>
+              <a:lstStyle/>
+              <a:p>
+                <a:r>
+                  <a:rPr lang="en-US">
+                    <a:noFill/>
+                  </a:rPr>
+                  <a:t> </a:t>
+                </a:r>
+              </a:p>
+            </p:txBody>
+          </p:sp>
+        </mc:Fallback>
+      </mc:AlternateContent>
+      <p:sp>
+        <p:nvSpPr>
+          <p:cNvPr id="6" name="Rectangle 5">
+            <a:extLst>
+              <a:ext uri="{FF2B5EF4-FFF2-40B4-BE49-F238E27FC236}">
+                <a16:creationId xmlns:a16="http://schemas.microsoft.com/office/drawing/2014/main" id="{0A1DAB20-16C8-E2CD-1A18-983CDB2EA737}"/>
+              </a:ext>
+            </a:extLst>
+          </p:cNvPr>
+          <p:cNvSpPr/>
+          <p:nvPr/>
+        </p:nvSpPr>
+        <p:spPr>
+          <a:xfrm>
+            <a:off x="5051310" y="862013"/>
+            <a:ext cx="1573327" cy="223837"/>
+          </a:xfrm>
+          <a:prstGeom prst="rect">
+            <a:avLst/>
+          </a:prstGeom>
+          <a:solidFill>
+            <a:schemeClr val="bg1"/>
+          </a:solidFill>
+          <a:ln>
+            <a:noFill/>
+          </a:ln>
+        </p:spPr>
+        <p:style>
+          <a:lnRef idx="2">
+            <a:schemeClr val="accent1">
+              <a:shade val="50000"/>
+            </a:schemeClr>
+          </a:lnRef>
+          <a:fillRef idx="1">
+            <a:schemeClr val="accent1"/>
+          </a:fillRef>
+          <a:effectRef idx="0">
+            <a:schemeClr val="accent1"/>
+          </a:effectRef>
+          <a:fontRef idx="minor">
+            <a:schemeClr val="lt1"/>
+          </a:fontRef>
+        </p:style>
+        <p:txBody>
+          <a:bodyPr rtlCol="0" anchor="ctr"/>
+          <a:lstStyle/>
+          <a:p>
+            <a:pPr algn="ctr"/>
+            <a:endParaRPr lang="en-US"/>
+          </a:p>
+        </p:txBody>
+      </p:sp>
+      <p:sp>
+        <p:nvSpPr>
+          <p:cNvPr id="5" name="TextBox 4">
+            <a:extLst>
+              <a:ext uri="{FF2B5EF4-FFF2-40B4-BE49-F238E27FC236}">
+                <a16:creationId xmlns:a16="http://schemas.microsoft.com/office/drawing/2014/main" id="{00D05032-E79A-79AF-B893-D12BEB7C01B0}"/>
+              </a:ext>
+            </a:extLst>
+          </p:cNvPr>
+          <p:cNvSpPr txBox="1"/>
+          <p:nvPr/>
+        </p:nvSpPr>
+        <p:spPr>
+          <a:xfrm>
+            <a:off x="4848772" y="796376"/>
+            <a:ext cx="1909762" cy="338554"/>
+          </a:xfrm>
+          <a:prstGeom prst="rect">
+            <a:avLst/>
+          </a:prstGeom>
+          <a:noFill/>
+        </p:spPr>
+        <p:txBody>
+          <a:bodyPr wrap="square" rtlCol="0">
+            <a:spAutoFit/>
+          </a:bodyPr>
+          <a:lstStyle/>
+          <a:p>
+            <a:pPr algn="ctr"/>
+            <a:r>
+              <a:rPr lang="en-US" sz="800" b="1" dirty="0"/>
+              <a:t>Projection profile comparison of 33</a:t>
+            </a:r>
+            <a:r>
+              <a:rPr lang="en-US" sz="800" dirty="0"/>
+              <a:t>°</a:t>
+            </a:r>
+            <a:r>
+              <a:rPr lang="en-US" sz="800" b="1" dirty="0"/>
+              <a:t>C water in 8-33 keV</a:t>
+            </a:r>
+          </a:p>
+        </p:txBody>
+      </p:sp>
+      <p:sp>
+        <p:nvSpPr>
+          <p:cNvPr id="14" name="Rectangle 13">
+            <a:extLst>
+              <a:ext uri="{FF2B5EF4-FFF2-40B4-BE49-F238E27FC236}">
+                <a16:creationId xmlns:a16="http://schemas.microsoft.com/office/drawing/2014/main" id="{5F3AE120-4B64-7AF0-2A06-F300360F58E7}"/>
+              </a:ext>
+            </a:extLst>
+          </p:cNvPr>
+          <p:cNvSpPr/>
+          <p:nvPr/>
+        </p:nvSpPr>
+        <p:spPr>
+          <a:xfrm>
+            <a:off x="3342421" y="1014413"/>
+            <a:ext cx="953434" cy="165547"/>
+          </a:xfrm>
+          <a:prstGeom prst="rect">
+            <a:avLst/>
+          </a:prstGeom>
+          <a:solidFill>
+            <a:schemeClr val="bg1"/>
+          </a:solidFill>
+          <a:ln>
+            <a:noFill/>
+          </a:ln>
+        </p:spPr>
+        <p:style>
+          <a:lnRef idx="2">
+            <a:schemeClr val="accent1">
+              <a:shade val="50000"/>
+            </a:schemeClr>
+          </a:lnRef>
+          <a:fillRef idx="1">
+            <a:schemeClr val="accent1"/>
+          </a:fillRef>
+          <a:effectRef idx="0">
+            <a:schemeClr val="accent1"/>
+          </a:effectRef>
+          <a:fontRef idx="minor">
+            <a:schemeClr val="lt1"/>
+          </a:fontRef>
+        </p:style>
+        <p:txBody>
+          <a:bodyPr rtlCol="0" anchor="ctr"/>
+          <a:lstStyle/>
+          <a:p>
+            <a:pPr algn="ctr"/>
+            <a:endParaRPr lang="en-US"/>
+          </a:p>
+        </p:txBody>
+      </p:sp>
+      <p:sp>
+        <p:nvSpPr>
+          <p:cNvPr id="15" name="Rectangle 14">
+            <a:extLst>
+              <a:ext uri="{FF2B5EF4-FFF2-40B4-BE49-F238E27FC236}">
+                <a16:creationId xmlns:a16="http://schemas.microsoft.com/office/drawing/2014/main" id="{82DD304D-5E7E-6E9C-AF7C-7A50A0714B08}"/>
+              </a:ext>
+            </a:extLst>
+          </p:cNvPr>
+          <p:cNvSpPr/>
+          <p:nvPr/>
+        </p:nvSpPr>
+        <p:spPr>
+          <a:xfrm>
+            <a:off x="3375510" y="1746502"/>
+            <a:ext cx="953434" cy="165547"/>
+          </a:xfrm>
+          <a:prstGeom prst="rect">
+            <a:avLst/>
+          </a:prstGeom>
+          <a:solidFill>
+            <a:schemeClr val="bg1"/>
+          </a:solidFill>
+          <a:ln>
+            <a:noFill/>
+          </a:ln>
+        </p:spPr>
+        <p:style>
+          <a:lnRef idx="2">
+            <a:schemeClr val="accent1">
+              <a:shade val="50000"/>
+            </a:schemeClr>
+          </a:lnRef>
+          <a:fillRef idx="1">
+            <a:schemeClr val="accent1"/>
+          </a:fillRef>
+          <a:effectRef idx="0">
+            <a:schemeClr val="accent1"/>
+          </a:effectRef>
+          <a:fontRef idx="minor">
+            <a:schemeClr val="lt1"/>
+          </a:fontRef>
+        </p:style>
+        <p:txBody>
+          <a:bodyPr rtlCol="0" anchor="ctr"/>
+          <a:lstStyle/>
+          <a:p>
+            <a:pPr algn="ctr"/>
+            <a:endParaRPr lang="en-US"/>
+          </a:p>
+        </p:txBody>
+      </p:sp>
+      <p:sp>
+        <p:nvSpPr>
+          <p:cNvPr id="17" name="Rectangle 16">
+            <a:extLst>
+              <a:ext uri="{FF2B5EF4-FFF2-40B4-BE49-F238E27FC236}">
+                <a16:creationId xmlns:a16="http://schemas.microsoft.com/office/drawing/2014/main" id="{CC4A2F97-AC9F-DE4B-BF61-89A24B84A213}"/>
+              </a:ext>
+            </a:extLst>
+          </p:cNvPr>
+          <p:cNvSpPr/>
+          <p:nvPr/>
+        </p:nvSpPr>
+        <p:spPr>
+          <a:xfrm>
+            <a:off x="3711971" y="3490389"/>
+            <a:ext cx="1651442" cy="139297"/>
+          </a:xfrm>
+          <a:prstGeom prst="rect">
+            <a:avLst/>
+          </a:prstGeom>
+          <a:solidFill>
+            <a:schemeClr val="bg1"/>
+          </a:solidFill>
+          <a:ln>
+            <a:noFill/>
+          </a:ln>
+        </p:spPr>
+        <p:style>
+          <a:lnRef idx="2">
+            <a:schemeClr val="accent1">
+              <a:shade val="50000"/>
+            </a:schemeClr>
+          </a:lnRef>
+          <a:fillRef idx="1">
+            <a:schemeClr val="accent1"/>
+          </a:fillRef>
+          <a:effectRef idx="0">
+            <a:schemeClr val="accent1"/>
+          </a:effectRef>
+          <a:fontRef idx="minor">
+            <a:schemeClr val="lt1"/>
+          </a:fontRef>
+        </p:style>
+        <p:txBody>
+          <a:bodyPr rtlCol="0" anchor="ctr"/>
+          <a:lstStyle/>
+          <a:p>
+            <a:pPr algn="ctr"/>
+            <a:endParaRPr lang="en-US"/>
+          </a:p>
+        </p:txBody>
+      </p:sp>
+      <p:sp>
+        <p:nvSpPr>
+          <p:cNvPr id="9" name="TextBox 8">
+            <a:extLst>
+              <a:ext uri="{FF2B5EF4-FFF2-40B4-BE49-F238E27FC236}">
+                <a16:creationId xmlns:a16="http://schemas.microsoft.com/office/drawing/2014/main" id="{FFEFE57C-046F-5C41-EC5F-88EA5AE5B6BC}"/>
+              </a:ext>
+            </a:extLst>
+          </p:cNvPr>
+          <p:cNvSpPr txBox="1"/>
+          <p:nvPr/>
+        </p:nvSpPr>
+        <p:spPr>
+          <a:xfrm>
+            <a:off x="3014271" y="989464"/>
+            <a:ext cx="1678442" cy="215444"/>
+          </a:xfrm>
+          <a:prstGeom prst="rect">
+            <a:avLst/>
+          </a:prstGeom>
+          <a:noFill/>
+        </p:spPr>
+        <p:txBody>
+          <a:bodyPr wrap="square" rtlCol="0">
+            <a:spAutoFit/>
+          </a:bodyPr>
+          <a:lstStyle/>
+          <a:p>
+            <a:pPr algn="ctr"/>
+            <a:r>
+              <a:rPr lang="en-US" sz="800" b="1" dirty="0"/>
+              <a:t>Filled projection I</a:t>
+            </a:r>
+            <a:r>
+              <a:rPr lang="en-US" sz="800" b="1" baseline="-25000" dirty="0"/>
+              <a:t>f</a:t>
+            </a:r>
+            <a:r>
+              <a:rPr lang="en-US" sz="800" b="1" dirty="0"/>
+              <a:t>(x)</a:t>
+            </a:r>
+          </a:p>
+        </p:txBody>
+      </p:sp>
+      <p:sp>
+        <p:nvSpPr>
+          <p:cNvPr id="10" name="TextBox 9">
+            <a:extLst>
+              <a:ext uri="{FF2B5EF4-FFF2-40B4-BE49-F238E27FC236}">
+                <a16:creationId xmlns:a16="http://schemas.microsoft.com/office/drawing/2014/main" id="{A1CFFD18-B243-7582-D4DA-3AB1645C5480}"/>
+              </a:ext>
+            </a:extLst>
+          </p:cNvPr>
+          <p:cNvSpPr txBox="1"/>
+          <p:nvPr/>
+        </p:nvSpPr>
+        <p:spPr>
+          <a:xfrm>
+            <a:off x="2897346" y="1741944"/>
+            <a:ext cx="1909762" cy="215444"/>
+          </a:xfrm>
+          <a:prstGeom prst="rect">
+            <a:avLst/>
+          </a:prstGeom>
+          <a:noFill/>
+        </p:spPr>
+        <p:txBody>
+          <a:bodyPr wrap="square" rtlCol="0">
+            <a:spAutoFit/>
+          </a:bodyPr>
+          <a:lstStyle/>
+          <a:p>
+            <a:pPr algn="ctr"/>
+            <a:r>
+              <a:rPr lang="en-US" sz="800" b="1" dirty="0"/>
+              <a:t>Empty projection </a:t>
+            </a:r>
+            <a:r>
+              <a:rPr lang="en-US" sz="800" b="1" dirty="0" err="1"/>
+              <a:t>I</a:t>
+            </a:r>
+            <a:r>
+              <a:rPr lang="en-US" sz="800" b="1" baseline="-25000" dirty="0" err="1"/>
+              <a:t>e</a:t>
+            </a:r>
+            <a:r>
+              <a:rPr lang="en-US" sz="800" b="1" dirty="0"/>
+              <a:t>(x)</a:t>
+            </a:r>
+          </a:p>
+        </p:txBody>
+      </p:sp>
+      <p:sp>
+        <p:nvSpPr>
+          <p:cNvPr id="28" name="Rectangle 27">
+            <a:extLst>
+              <a:ext uri="{FF2B5EF4-FFF2-40B4-BE49-F238E27FC236}">
+                <a16:creationId xmlns:a16="http://schemas.microsoft.com/office/drawing/2014/main" id="{54F63D02-D9DD-43E9-2ED2-D1CD6BA1C9CC}"/>
+              </a:ext>
+            </a:extLst>
+          </p:cNvPr>
+          <p:cNvSpPr/>
+          <p:nvPr/>
+        </p:nvSpPr>
+        <p:spPr>
+          <a:xfrm>
+            <a:off x="1032958" y="3453160"/>
+            <a:ext cx="1864387" cy="184146"/>
+          </a:xfrm>
+          <a:prstGeom prst="rect">
+            <a:avLst/>
+          </a:prstGeom>
+          <a:solidFill>
+            <a:schemeClr val="bg1"/>
+          </a:solidFill>
+          <a:ln>
+            <a:noFill/>
+          </a:ln>
+        </p:spPr>
+        <p:style>
+          <a:lnRef idx="2">
+            <a:schemeClr val="accent1">
+              <a:shade val="50000"/>
+            </a:schemeClr>
+          </a:lnRef>
+          <a:fillRef idx="1">
+            <a:schemeClr val="accent1"/>
+          </a:fillRef>
+          <a:effectRef idx="0">
+            <a:schemeClr val="accent1"/>
+          </a:effectRef>
+          <a:fontRef idx="minor">
+            <a:schemeClr val="lt1"/>
+          </a:fontRef>
+        </p:style>
+        <p:txBody>
+          <a:bodyPr rtlCol="0" anchor="ctr"/>
+          <a:lstStyle/>
+          <a:p>
+            <a:pPr algn="ctr"/>
+            <a:endParaRPr lang="en-US"/>
+          </a:p>
+        </p:txBody>
+      </p:sp>
+      <p:sp>
+        <p:nvSpPr>
+          <p:cNvPr id="29" name="Rectangle 28">
+            <a:extLst>
+              <a:ext uri="{FF2B5EF4-FFF2-40B4-BE49-F238E27FC236}">
+                <a16:creationId xmlns:a16="http://schemas.microsoft.com/office/drawing/2014/main" id="{0DA5D1C0-23EA-FD05-EE98-9A7B1210679D}"/>
+              </a:ext>
+            </a:extLst>
+          </p:cNvPr>
+          <p:cNvSpPr/>
+          <p:nvPr/>
+        </p:nvSpPr>
+        <p:spPr>
+          <a:xfrm>
+            <a:off x="5619282" y="5432788"/>
+            <a:ext cx="1269197" cy="139745"/>
+          </a:xfrm>
+          <a:prstGeom prst="rect">
+            <a:avLst/>
+          </a:prstGeom>
+          <a:solidFill>
+            <a:schemeClr val="bg1"/>
+          </a:solidFill>
+          <a:ln>
+            <a:noFill/>
+          </a:ln>
+        </p:spPr>
+        <p:style>
+          <a:lnRef idx="2">
+            <a:schemeClr val="accent1">
+              <a:shade val="50000"/>
+            </a:schemeClr>
+          </a:lnRef>
+          <a:fillRef idx="1">
+            <a:schemeClr val="accent1"/>
+          </a:fillRef>
+          <a:effectRef idx="0">
+            <a:schemeClr val="accent1"/>
+          </a:effectRef>
+          <a:fontRef idx="minor">
+            <a:schemeClr val="lt1"/>
+          </a:fontRef>
+        </p:style>
+        <p:txBody>
+          <a:bodyPr rtlCol="0" anchor="ctr"/>
+          <a:lstStyle/>
+          <a:p>
+            <a:pPr algn="ctr"/>
+            <a:endParaRPr lang="en-US"/>
+          </a:p>
+        </p:txBody>
+      </p:sp>
+      <p:sp>
+        <p:nvSpPr>
+          <p:cNvPr id="30" name="Rectangle 29">
+            <a:extLst>
+              <a:ext uri="{FF2B5EF4-FFF2-40B4-BE49-F238E27FC236}">
+                <a16:creationId xmlns:a16="http://schemas.microsoft.com/office/drawing/2014/main" id="{C5E41BF7-3D31-E283-E5A4-1C068024D1F5}"/>
+              </a:ext>
+            </a:extLst>
+          </p:cNvPr>
+          <p:cNvSpPr/>
+          <p:nvPr/>
+        </p:nvSpPr>
+        <p:spPr>
+          <a:xfrm>
+            <a:off x="3739279" y="5406705"/>
+            <a:ext cx="1466064" cy="145481"/>
+          </a:xfrm>
+          <a:prstGeom prst="rect">
+            <a:avLst/>
+          </a:prstGeom>
+          <a:solidFill>
+            <a:schemeClr val="bg1"/>
+          </a:solidFill>
+          <a:ln>
+            <a:noFill/>
+          </a:ln>
+        </p:spPr>
+        <p:style>
+          <a:lnRef idx="2">
+            <a:schemeClr val="accent1">
+              <a:shade val="50000"/>
+            </a:schemeClr>
+          </a:lnRef>
+          <a:fillRef idx="1">
+            <a:schemeClr val="accent1"/>
+          </a:fillRef>
+          <a:effectRef idx="0">
+            <a:schemeClr val="accent1"/>
+          </a:effectRef>
+          <a:fontRef idx="minor">
+            <a:schemeClr val="lt1"/>
+          </a:fontRef>
+        </p:style>
+        <p:txBody>
+          <a:bodyPr rtlCol="0" anchor="ctr"/>
+          <a:lstStyle/>
+          <a:p>
+            <a:pPr algn="ctr"/>
+            <a:endParaRPr lang="en-US"/>
+          </a:p>
+        </p:txBody>
+      </p:sp>
+      <p:sp>
+        <p:nvSpPr>
+          <p:cNvPr id="31" name="Rectangle 30">
+            <a:extLst>
+              <a:ext uri="{FF2B5EF4-FFF2-40B4-BE49-F238E27FC236}">
+                <a16:creationId xmlns:a16="http://schemas.microsoft.com/office/drawing/2014/main" id="{87CD4E0E-1A97-7982-36E3-664C2EAADC01}"/>
+              </a:ext>
+            </a:extLst>
+          </p:cNvPr>
+          <p:cNvSpPr/>
+          <p:nvPr/>
+        </p:nvSpPr>
+        <p:spPr>
+          <a:xfrm>
+            <a:off x="5376051" y="3492727"/>
+            <a:ext cx="1651442" cy="136959"/>
+          </a:xfrm>
+          <a:prstGeom prst="rect">
+            <a:avLst/>
+          </a:prstGeom>
+          <a:solidFill>
+            <a:schemeClr val="bg1"/>
+          </a:solidFill>
+          <a:ln>
+            <a:noFill/>
+          </a:ln>
+        </p:spPr>
+        <p:style>
+          <a:lnRef idx="2">
+            <a:schemeClr val="accent1">
+              <a:shade val="50000"/>
+            </a:schemeClr>
+          </a:lnRef>
+          <a:fillRef idx="1">
+            <a:schemeClr val="accent1"/>
+          </a:fillRef>
+          <a:effectRef idx="0">
+            <a:schemeClr val="accent1"/>
+          </a:effectRef>
+          <a:fontRef idx="minor">
+            <a:schemeClr val="lt1"/>
+          </a:fontRef>
+        </p:style>
+        <p:txBody>
+          <a:bodyPr rtlCol="0" anchor="ctr"/>
+          <a:lstStyle/>
+          <a:p>
+            <a:pPr algn="ctr"/>
+            <a:endParaRPr lang="en-US"/>
+          </a:p>
+        </p:txBody>
+      </p:sp>
+      <p:sp>
+        <p:nvSpPr>
+          <p:cNvPr id="25" name="TextBox 24">
+            <a:extLst>
+              <a:ext uri="{FF2B5EF4-FFF2-40B4-BE49-F238E27FC236}">
+                <a16:creationId xmlns:a16="http://schemas.microsoft.com/office/drawing/2014/main" id="{8E19E3C0-F56F-5078-5CEB-0C62A71012FA}"/>
+              </a:ext>
+            </a:extLst>
+          </p:cNvPr>
+          <p:cNvSpPr txBox="1"/>
+          <p:nvPr/>
+        </p:nvSpPr>
+        <p:spPr>
+          <a:xfrm>
+            <a:off x="5286080" y="3466925"/>
+            <a:ext cx="1909762" cy="215444"/>
+          </a:xfrm>
+          <a:prstGeom prst="rect">
+            <a:avLst/>
+          </a:prstGeom>
+          <a:noFill/>
+        </p:spPr>
+        <p:txBody>
+          <a:bodyPr wrap="square" rtlCol="0">
+            <a:spAutoFit/>
+          </a:bodyPr>
+          <a:lstStyle/>
+          <a:p>
+            <a:pPr algn="ctr"/>
+            <a:r>
+              <a:rPr lang="en-US" sz="800" b="1" dirty="0"/>
+              <a:t>300 mM CaCl</a:t>
+            </a:r>
+            <a:r>
+              <a:rPr lang="en-US" sz="800" b="1" baseline="-25000" dirty="0"/>
+              <a:t>2</a:t>
+            </a:r>
+            <a:r>
+              <a:rPr lang="en-US" sz="800" b="1" dirty="0"/>
+              <a:t> network prediction</a:t>
+            </a:r>
+          </a:p>
+        </p:txBody>
+      </p:sp>
+      <p:sp>
+        <p:nvSpPr>
+          <p:cNvPr id="27" name="TextBox 26">
+            <a:extLst>
+              <a:ext uri="{FF2B5EF4-FFF2-40B4-BE49-F238E27FC236}">
+                <a16:creationId xmlns:a16="http://schemas.microsoft.com/office/drawing/2014/main" id="{90628754-163A-B89F-10B6-C6B3B8DFE6EF}"/>
+              </a:ext>
+            </a:extLst>
+          </p:cNvPr>
+          <p:cNvSpPr txBox="1"/>
+          <p:nvPr/>
+        </p:nvSpPr>
+        <p:spPr>
+          <a:xfrm>
+            <a:off x="3573621" y="3459305"/>
+            <a:ext cx="1909762" cy="215444"/>
+          </a:xfrm>
+          <a:prstGeom prst="rect">
+            <a:avLst/>
+          </a:prstGeom>
+          <a:noFill/>
+        </p:spPr>
+        <p:txBody>
+          <a:bodyPr wrap="square" rtlCol="0">
+            <a:spAutoFit/>
+          </a:bodyPr>
+          <a:lstStyle/>
+          <a:p>
+            <a:pPr algn="ctr"/>
+            <a:r>
+              <a:rPr lang="en-US" sz="800" b="1" dirty="0"/>
+              <a:t>Protein shake network prediction</a:t>
+            </a:r>
+          </a:p>
+        </p:txBody>
+      </p:sp>
+      <p:sp>
+        <p:nvSpPr>
+          <p:cNvPr id="32" name="TextBox 31">
+            <a:extLst>
+              <a:ext uri="{FF2B5EF4-FFF2-40B4-BE49-F238E27FC236}">
+                <a16:creationId xmlns:a16="http://schemas.microsoft.com/office/drawing/2014/main" id="{E2694F3E-5B21-1001-17EA-DB6928DE458D}"/>
+              </a:ext>
+            </a:extLst>
+          </p:cNvPr>
+          <p:cNvSpPr txBox="1"/>
+          <p:nvPr/>
+        </p:nvSpPr>
+        <p:spPr>
+          <a:xfrm>
+            <a:off x="5314669" y="5392194"/>
+            <a:ext cx="1909762" cy="215444"/>
+          </a:xfrm>
+          <a:prstGeom prst="rect">
+            <a:avLst/>
+          </a:prstGeom>
+          <a:noFill/>
+        </p:spPr>
+        <p:txBody>
+          <a:bodyPr wrap="square" rtlCol="0">
+            <a:spAutoFit/>
+          </a:bodyPr>
+          <a:lstStyle/>
+          <a:p>
+            <a:pPr algn="ctr"/>
+            <a:r>
+              <a:rPr lang="en-US" sz="800" b="1" dirty="0"/>
+              <a:t>Ground truth temperature (</a:t>
+            </a:r>
+            <a:r>
+              <a:rPr lang="en-US" sz="800" dirty="0"/>
+              <a:t>°</a:t>
+            </a:r>
+            <a:r>
+              <a:rPr lang="en-US" sz="800" b="1" dirty="0"/>
+              <a:t>C)</a:t>
+            </a:r>
+          </a:p>
+        </p:txBody>
+      </p:sp>
+      <p:sp>
+        <p:nvSpPr>
+          <p:cNvPr id="34" name="TextBox 33">
+            <a:extLst>
+              <a:ext uri="{FF2B5EF4-FFF2-40B4-BE49-F238E27FC236}">
+                <a16:creationId xmlns:a16="http://schemas.microsoft.com/office/drawing/2014/main" id="{92B5940A-9DED-9211-50FD-7298C41F20C4}"/>
+              </a:ext>
+            </a:extLst>
+          </p:cNvPr>
+          <p:cNvSpPr txBox="1"/>
+          <p:nvPr/>
+        </p:nvSpPr>
+        <p:spPr>
+          <a:xfrm>
+            <a:off x="3589206" y="5395958"/>
+            <a:ext cx="1909762" cy="215444"/>
+          </a:xfrm>
+          <a:prstGeom prst="rect">
+            <a:avLst/>
+          </a:prstGeom>
+          <a:noFill/>
+        </p:spPr>
+        <p:txBody>
+          <a:bodyPr wrap="square" rtlCol="0">
+            <a:spAutoFit/>
+          </a:bodyPr>
+          <a:lstStyle/>
+          <a:p>
+            <a:pPr algn="ctr"/>
+            <a:r>
+              <a:rPr lang="en-US" sz="800" b="1" dirty="0"/>
+              <a:t>Ground truth temperature (</a:t>
+            </a:r>
+            <a:r>
+              <a:rPr lang="en-US" sz="800" dirty="0"/>
+              <a:t>°</a:t>
+            </a:r>
+            <a:r>
+              <a:rPr lang="en-US" sz="800" b="1" dirty="0"/>
+              <a:t>C)</a:t>
+            </a:r>
+          </a:p>
+        </p:txBody>
+      </p:sp>
+      <p:sp>
+        <p:nvSpPr>
+          <p:cNvPr id="35" name="TextBox 34">
+            <a:extLst>
+              <a:ext uri="{FF2B5EF4-FFF2-40B4-BE49-F238E27FC236}">
+                <a16:creationId xmlns:a16="http://schemas.microsoft.com/office/drawing/2014/main" id="{C7A7031C-E2A8-E53F-BB3C-84ECFE42AC2D}"/>
+              </a:ext>
+            </a:extLst>
+          </p:cNvPr>
+          <p:cNvSpPr txBox="1"/>
+          <p:nvPr/>
+        </p:nvSpPr>
+        <p:spPr>
+          <a:xfrm>
+            <a:off x="1011576" y="3457458"/>
+            <a:ext cx="1909762" cy="215444"/>
+          </a:xfrm>
+          <a:prstGeom prst="rect">
+            <a:avLst/>
+          </a:prstGeom>
+          <a:noFill/>
+        </p:spPr>
+        <p:txBody>
+          <a:bodyPr wrap="square" rtlCol="0">
+            <a:spAutoFit/>
+          </a:bodyPr>
+          <a:lstStyle/>
+          <a:p>
+            <a:pPr algn="ctr"/>
+            <a:r>
+              <a:rPr lang="en-US" sz="800" b="1" dirty="0"/>
+              <a:t>Temperature prediction neural network</a:t>
+            </a:r>
+          </a:p>
+        </p:txBody>
+      </p:sp>
+      <p:sp>
+        <p:nvSpPr>
+          <p:cNvPr id="36" name="Rectangle 35">
+            <a:extLst>
+              <a:ext uri="{FF2B5EF4-FFF2-40B4-BE49-F238E27FC236}">
+                <a16:creationId xmlns:a16="http://schemas.microsoft.com/office/drawing/2014/main" id="{BF8912F8-E5AB-9313-ABD4-A942245840DD}"/>
+              </a:ext>
+            </a:extLst>
+          </p:cNvPr>
+          <p:cNvSpPr/>
+          <p:nvPr/>
+        </p:nvSpPr>
+        <p:spPr>
+          <a:xfrm>
+            <a:off x="601989" y="4709159"/>
+            <a:ext cx="670551" cy="121921"/>
+          </a:xfrm>
+          <a:prstGeom prst="rect">
+            <a:avLst/>
+          </a:prstGeom>
+          <a:solidFill>
+            <a:schemeClr val="bg1"/>
+          </a:solidFill>
+          <a:ln>
+            <a:noFill/>
+          </a:ln>
+        </p:spPr>
+        <p:style>
+          <a:lnRef idx="2">
+            <a:schemeClr val="accent1">
+              <a:shade val="50000"/>
+            </a:schemeClr>
+          </a:lnRef>
+          <a:fillRef idx="1">
+            <a:schemeClr val="accent1"/>
+          </a:fillRef>
+          <a:effectRef idx="0">
+            <a:schemeClr val="accent1"/>
+          </a:effectRef>
+          <a:fontRef idx="minor">
+            <a:schemeClr val="lt1"/>
+          </a:fontRef>
+        </p:style>
+        <p:txBody>
+          <a:bodyPr rtlCol="0" anchor="ctr"/>
+          <a:lstStyle/>
+          <a:p>
+            <a:pPr algn="ctr"/>
+            <a:endParaRPr lang="en-US"/>
+          </a:p>
+        </p:txBody>
+      </p:sp>
+      <p:sp>
+        <p:nvSpPr>
+          <p:cNvPr id="37" name="TextBox 36">
+            <a:extLst>
+              <a:ext uri="{FF2B5EF4-FFF2-40B4-BE49-F238E27FC236}">
+                <a16:creationId xmlns:a16="http://schemas.microsoft.com/office/drawing/2014/main" id="{2173CFDF-22F6-1A35-CB2D-DF136E24868B}"/>
+              </a:ext>
+            </a:extLst>
+          </p:cNvPr>
+          <p:cNvSpPr txBox="1"/>
+          <p:nvPr/>
+        </p:nvSpPr>
+        <p:spPr>
+          <a:xfrm>
+            <a:off x="571501" y="4662397"/>
+            <a:ext cx="753592" cy="215444"/>
+          </a:xfrm>
+          <a:prstGeom prst="rect">
+            <a:avLst/>
+          </a:prstGeom>
+          <a:noFill/>
+        </p:spPr>
+        <p:txBody>
+          <a:bodyPr wrap="square" rtlCol="0">
+            <a:spAutoFit/>
+          </a:bodyPr>
+          <a:lstStyle/>
+          <a:p>
+            <a:pPr algn="ctr"/>
+            <a:r>
+              <a:rPr lang="en-US" sz="800" b="1" dirty="0"/>
+              <a:t>Training data</a:t>
+            </a:r>
+          </a:p>
+        </p:txBody>
+      </p:sp>
+    </p:spTree>
+    <p:extLst>
+      <p:ext uri="{BB962C8B-B14F-4D97-AF65-F5344CB8AC3E}">
+        <p14:creationId xmlns:p14="http://schemas.microsoft.com/office/powerpoint/2010/main" val="1641956445"/>
+      </p:ext>
+    </p:extLst>
+  </p:cSld>
+  <p:clrMapOvr>
+    <a:masterClrMapping/>
+  </p:clrMapOvr>
+</p:sld>
+</file>
+
+<file path=ppt/slides/slide2.xml><?xml version="1.0" encoding="utf-8"?>
+<p:sld xmlns:a="http://schemas.openxmlformats.org/drawingml/2006/main" xmlns:r="http://schemas.openxmlformats.org/officeDocument/2006/relationships" xmlns:p="http://schemas.openxmlformats.org/presentationml/2006/main">
+  <p:cSld>
+    <p:spTree>
+      <p:nvGrpSpPr>
+        <p:cNvPr id="1" name=""/>
+        <p:cNvGrpSpPr/>
+        <p:nvPr/>
+      </p:nvGrpSpPr>
+      <p:grpSpPr>
+        <a:xfrm>
+          <a:off x="0" y="0"/>
+          <a:ext cx="0" cy="0"/>
+          <a:chOff x="0" y="0"/>
+          <a:chExt cx="0" cy="0"/>
+        </a:xfrm>
+      </p:grpSpPr>
+      <p:pic>
+        <p:nvPicPr>
+          <p:cNvPr id="2" name="Picture 1">
+            <a:extLst>
+              <a:ext uri="{FF2B5EF4-FFF2-40B4-BE49-F238E27FC236}">
+                <a16:creationId xmlns:a16="http://schemas.microsoft.com/office/drawing/2014/main" id="{1274A4F5-C749-AA7C-EDF2-8D8D2269AAAF}"/>
               </a:ext>
             </a:extLst>
           </p:cNvPr>
@@ -3680,25 +5799,719 @@
           <p:nvPr/>
         </p:nvPicPr>
         <p:blipFill>
-          <a:blip r:embed="rId6"/>
+          <a:blip r:embed="rId3">
+            <a:extLst>
+              <a:ext uri="{28A0092B-C50C-407E-A947-70E740481C1C}">
+                <a14:useLocalDpi xmlns:a14="http://schemas.microsoft.com/office/drawing/2010/main" val="0"/>
+              </a:ext>
+            </a:extLst>
+          </a:blip>
+          <a:srcRect/>
           <a:stretch>
             <a:fillRect/>
           </a:stretch>
         </p:blipFill>
-        <p:spPr>
+        <p:spPr bwMode="auto">
           <a:xfrm>
-            <a:off x="3164494" y="2427587"/>
-            <a:ext cx="1750406" cy="2051997"/>
+            <a:off x="586419" y="396765"/>
+            <a:ext cx="6358890" cy="2578735"/>
           </a:xfrm>
           <a:prstGeom prst="rect">
             <a:avLst/>
           </a:prstGeom>
+          <a:noFill/>
         </p:spPr>
       </p:pic>
+      <p:sp>
+        <p:nvSpPr>
+          <p:cNvPr id="3" name="TextBox 2">
+            <a:extLst>
+              <a:ext uri="{FF2B5EF4-FFF2-40B4-BE49-F238E27FC236}">
+                <a16:creationId xmlns:a16="http://schemas.microsoft.com/office/drawing/2014/main" id="{E5FAB699-5477-F195-3667-2714583249A2}"/>
+              </a:ext>
+            </a:extLst>
+          </p:cNvPr>
+          <p:cNvSpPr txBox="1"/>
+          <p:nvPr/>
+        </p:nvSpPr>
+        <p:spPr>
+          <a:xfrm>
+            <a:off x="2871789" y="687705"/>
+            <a:ext cx="514885" cy="400110"/>
+          </a:xfrm>
+          <a:prstGeom prst="rect">
+            <a:avLst/>
+          </a:prstGeom>
+          <a:noFill/>
+        </p:spPr>
+        <p:txBody>
+          <a:bodyPr wrap="none" rtlCol="0">
+            <a:spAutoFit/>
+          </a:bodyPr>
+          <a:lstStyle/>
+          <a:p>
+            <a:r>
+              <a:rPr lang="en-US" sz="500" dirty="0"/>
+              <a:t>(8-33 keV)</a:t>
+            </a:r>
+          </a:p>
+          <a:p>
+            <a:r>
+              <a:rPr lang="en-US" sz="500" dirty="0"/>
+              <a:t>(33-45 keV)</a:t>
+            </a:r>
+          </a:p>
+          <a:p>
+            <a:r>
+              <a:rPr lang="en-US" sz="500" dirty="0"/>
+              <a:t>(45-60 keV)</a:t>
+            </a:r>
+          </a:p>
+          <a:p>
+            <a:r>
+              <a:rPr lang="en-US" sz="500" dirty="0"/>
+              <a:t>(60-100 keV)</a:t>
+            </a:r>
+          </a:p>
+        </p:txBody>
+      </p:sp>
+      <p:sp>
+        <p:nvSpPr>
+          <p:cNvPr id="9" name="TextBox 8">
+            <a:extLst>
+              <a:ext uri="{FF2B5EF4-FFF2-40B4-BE49-F238E27FC236}">
+                <a16:creationId xmlns:a16="http://schemas.microsoft.com/office/drawing/2014/main" id="{2B7AA993-D8FE-63D1-9694-976B864CA975}"/>
+              </a:ext>
+            </a:extLst>
+          </p:cNvPr>
+          <p:cNvSpPr txBox="1"/>
+          <p:nvPr/>
+        </p:nvSpPr>
+        <p:spPr>
+          <a:xfrm>
+            <a:off x="4381500" y="697231"/>
+            <a:ext cx="514885" cy="400110"/>
+          </a:xfrm>
+          <a:prstGeom prst="rect">
+            <a:avLst/>
+          </a:prstGeom>
+          <a:noFill/>
+        </p:spPr>
+        <p:txBody>
+          <a:bodyPr wrap="none" rtlCol="0">
+            <a:spAutoFit/>
+          </a:bodyPr>
+          <a:lstStyle/>
+          <a:p>
+            <a:r>
+              <a:rPr lang="en-US" sz="500" dirty="0"/>
+              <a:t>(8-33 keV)</a:t>
+            </a:r>
+          </a:p>
+          <a:p>
+            <a:r>
+              <a:rPr lang="en-US" sz="500" dirty="0"/>
+              <a:t>(33-45 keV)</a:t>
+            </a:r>
+          </a:p>
+          <a:p>
+            <a:r>
+              <a:rPr lang="en-US" sz="500" dirty="0"/>
+              <a:t>(45-60 keV)</a:t>
+            </a:r>
+          </a:p>
+          <a:p>
+            <a:r>
+              <a:rPr lang="en-US" sz="500" dirty="0"/>
+              <a:t>(60-100 keV)</a:t>
+            </a:r>
+          </a:p>
+        </p:txBody>
+      </p:sp>
+      <p:sp>
+        <p:nvSpPr>
+          <p:cNvPr id="10" name="TextBox 9">
+            <a:extLst>
+              <a:ext uri="{FF2B5EF4-FFF2-40B4-BE49-F238E27FC236}">
+                <a16:creationId xmlns:a16="http://schemas.microsoft.com/office/drawing/2014/main" id="{DA27DDC1-7C53-A3C8-2151-67FDD8C50F74}"/>
+              </a:ext>
+            </a:extLst>
+          </p:cNvPr>
+          <p:cNvSpPr txBox="1"/>
+          <p:nvPr/>
+        </p:nvSpPr>
+        <p:spPr>
+          <a:xfrm>
+            <a:off x="1357313" y="2002125"/>
+            <a:ext cx="514885" cy="400110"/>
+          </a:xfrm>
+          <a:prstGeom prst="rect">
+            <a:avLst/>
+          </a:prstGeom>
+          <a:noFill/>
+        </p:spPr>
+        <p:txBody>
+          <a:bodyPr wrap="none" rtlCol="0">
+            <a:spAutoFit/>
+          </a:bodyPr>
+          <a:lstStyle/>
+          <a:p>
+            <a:r>
+              <a:rPr lang="en-US" sz="500" dirty="0"/>
+              <a:t>(8-33 keV)</a:t>
+            </a:r>
+          </a:p>
+          <a:p>
+            <a:r>
+              <a:rPr lang="en-US" sz="500" dirty="0"/>
+              <a:t>(33-45 keV)</a:t>
+            </a:r>
+          </a:p>
+          <a:p>
+            <a:r>
+              <a:rPr lang="en-US" sz="500" dirty="0"/>
+              <a:t>(45-60 keV)</a:t>
+            </a:r>
+          </a:p>
+          <a:p>
+            <a:r>
+              <a:rPr lang="en-US" sz="500" dirty="0"/>
+              <a:t>(60-100 keV)</a:t>
+            </a:r>
+          </a:p>
+        </p:txBody>
+      </p:sp>
+      <p:sp>
+        <p:nvSpPr>
+          <p:cNvPr id="13" name="TextBox 12">
+            <a:extLst>
+              <a:ext uri="{FF2B5EF4-FFF2-40B4-BE49-F238E27FC236}">
+                <a16:creationId xmlns:a16="http://schemas.microsoft.com/office/drawing/2014/main" id="{12B65FB3-4AE4-AABD-A42D-25B4848389A0}"/>
+              </a:ext>
+            </a:extLst>
+          </p:cNvPr>
+          <p:cNvSpPr txBox="1"/>
+          <p:nvPr/>
+        </p:nvSpPr>
+        <p:spPr>
+          <a:xfrm>
+            <a:off x="2871789" y="2002125"/>
+            <a:ext cx="514885" cy="400110"/>
+          </a:xfrm>
+          <a:prstGeom prst="rect">
+            <a:avLst/>
+          </a:prstGeom>
+          <a:noFill/>
+        </p:spPr>
+        <p:txBody>
+          <a:bodyPr wrap="none" rtlCol="0">
+            <a:spAutoFit/>
+          </a:bodyPr>
+          <a:lstStyle/>
+          <a:p>
+            <a:r>
+              <a:rPr lang="en-US" sz="500" dirty="0"/>
+              <a:t>(8-33 keV)</a:t>
+            </a:r>
+          </a:p>
+          <a:p>
+            <a:r>
+              <a:rPr lang="en-US" sz="500" dirty="0"/>
+              <a:t>(33-45 keV)</a:t>
+            </a:r>
+          </a:p>
+          <a:p>
+            <a:r>
+              <a:rPr lang="en-US" sz="500" dirty="0"/>
+              <a:t>(45-60 keV)</a:t>
+            </a:r>
+          </a:p>
+          <a:p>
+            <a:r>
+              <a:rPr lang="en-US" sz="500" dirty="0"/>
+              <a:t>(60-100 keV)</a:t>
+            </a:r>
+          </a:p>
+        </p:txBody>
+      </p:sp>
+      <p:sp>
+        <p:nvSpPr>
+          <p:cNvPr id="14" name="TextBox 13">
+            <a:extLst>
+              <a:ext uri="{FF2B5EF4-FFF2-40B4-BE49-F238E27FC236}">
+                <a16:creationId xmlns:a16="http://schemas.microsoft.com/office/drawing/2014/main" id="{15D4045E-F975-7386-CA7A-4B883FACDE70}"/>
+              </a:ext>
+            </a:extLst>
+          </p:cNvPr>
+          <p:cNvSpPr txBox="1"/>
+          <p:nvPr/>
+        </p:nvSpPr>
+        <p:spPr>
+          <a:xfrm>
+            <a:off x="4393664" y="2002125"/>
+            <a:ext cx="514885" cy="400110"/>
+          </a:xfrm>
+          <a:prstGeom prst="rect">
+            <a:avLst/>
+          </a:prstGeom>
+          <a:noFill/>
+        </p:spPr>
+        <p:txBody>
+          <a:bodyPr wrap="none" rtlCol="0">
+            <a:spAutoFit/>
+          </a:bodyPr>
+          <a:lstStyle/>
+          <a:p>
+            <a:r>
+              <a:rPr lang="en-US" sz="500" dirty="0"/>
+              <a:t>(8-33 keV)</a:t>
+            </a:r>
+          </a:p>
+          <a:p>
+            <a:r>
+              <a:rPr lang="en-US" sz="500" dirty="0"/>
+              <a:t>(33-45 keV)</a:t>
+            </a:r>
+          </a:p>
+          <a:p>
+            <a:r>
+              <a:rPr lang="en-US" sz="500" dirty="0"/>
+              <a:t>(45-60 keV)</a:t>
+            </a:r>
+          </a:p>
+          <a:p>
+            <a:r>
+              <a:rPr lang="en-US" sz="500" dirty="0"/>
+              <a:t>(60-100 keV)</a:t>
+            </a:r>
+          </a:p>
+        </p:txBody>
+      </p:sp>
+      <p:sp>
+        <p:nvSpPr>
+          <p:cNvPr id="19" name="Rectangle 18">
+            <a:extLst>
+              <a:ext uri="{FF2B5EF4-FFF2-40B4-BE49-F238E27FC236}">
+                <a16:creationId xmlns:a16="http://schemas.microsoft.com/office/drawing/2014/main" id="{7F9A0B06-8DC3-8253-819B-3DAF2D7937EA}"/>
+              </a:ext>
+            </a:extLst>
+          </p:cNvPr>
+          <p:cNvSpPr/>
+          <p:nvPr/>
+        </p:nvSpPr>
+        <p:spPr>
+          <a:xfrm>
+            <a:off x="6382542" y="714374"/>
+            <a:ext cx="351633" cy="316707"/>
+          </a:xfrm>
+          <a:prstGeom prst="rect">
+            <a:avLst/>
+          </a:prstGeom>
+          <a:solidFill>
+            <a:schemeClr val="bg1"/>
+          </a:solidFill>
+          <a:ln>
+            <a:noFill/>
+          </a:ln>
+        </p:spPr>
+        <p:style>
+          <a:lnRef idx="2">
+            <a:schemeClr val="accent1">
+              <a:shade val="50000"/>
+            </a:schemeClr>
+          </a:lnRef>
+          <a:fillRef idx="1">
+            <a:schemeClr val="accent1"/>
+          </a:fillRef>
+          <a:effectRef idx="0">
+            <a:schemeClr val="accent1"/>
+          </a:effectRef>
+          <a:fontRef idx="minor">
+            <a:schemeClr val="lt1"/>
+          </a:fontRef>
+        </p:style>
+        <p:txBody>
+          <a:bodyPr rtlCol="0" anchor="ctr"/>
+          <a:lstStyle/>
+          <a:p>
+            <a:pPr algn="ctr"/>
+            <a:endParaRPr lang="en-US"/>
+          </a:p>
+        </p:txBody>
+      </p:sp>
+      <p:sp>
+        <p:nvSpPr>
+          <p:cNvPr id="17" name="TextBox 16">
+            <a:extLst>
+              <a:ext uri="{FF2B5EF4-FFF2-40B4-BE49-F238E27FC236}">
+                <a16:creationId xmlns:a16="http://schemas.microsoft.com/office/drawing/2014/main" id="{B016C0E5-F348-50D7-11DC-B5836EEE177E}"/>
+              </a:ext>
+            </a:extLst>
+          </p:cNvPr>
+          <p:cNvSpPr txBox="1"/>
+          <p:nvPr/>
+        </p:nvSpPr>
+        <p:spPr>
+          <a:xfrm>
+            <a:off x="6281738" y="672672"/>
+            <a:ext cx="514885" cy="400110"/>
+          </a:xfrm>
+          <a:prstGeom prst="rect">
+            <a:avLst/>
+          </a:prstGeom>
+          <a:noFill/>
+        </p:spPr>
+        <p:txBody>
+          <a:bodyPr wrap="square" rtlCol="0">
+            <a:spAutoFit/>
+          </a:bodyPr>
+          <a:lstStyle/>
+          <a:p>
+            <a:r>
+              <a:rPr lang="en-US" sz="500" dirty="0"/>
+              <a:t>(8-33 keV)</a:t>
+            </a:r>
+          </a:p>
+          <a:p>
+            <a:r>
+              <a:rPr lang="en-US" sz="500" dirty="0"/>
+              <a:t>(33-45 keV)</a:t>
+            </a:r>
+          </a:p>
+          <a:p>
+            <a:r>
+              <a:rPr lang="en-US" sz="500" dirty="0"/>
+              <a:t>(45-60 keV)</a:t>
+            </a:r>
+          </a:p>
+          <a:p>
+            <a:r>
+              <a:rPr lang="en-US" sz="500" dirty="0"/>
+              <a:t>(60-100 keV)</a:t>
+            </a:r>
+          </a:p>
+        </p:txBody>
+      </p:sp>
+      <p:sp>
+        <p:nvSpPr>
+          <p:cNvPr id="4" name="Rectangle 3">
+            <a:extLst>
+              <a:ext uri="{FF2B5EF4-FFF2-40B4-BE49-F238E27FC236}">
+                <a16:creationId xmlns:a16="http://schemas.microsoft.com/office/drawing/2014/main" id="{7B49E8E4-8FC0-CA56-1E0B-A5E819E42106}"/>
+              </a:ext>
+            </a:extLst>
+          </p:cNvPr>
+          <p:cNvSpPr/>
+          <p:nvPr/>
+        </p:nvSpPr>
+        <p:spPr>
+          <a:xfrm>
+            <a:off x="5488781" y="538690"/>
+            <a:ext cx="1456527" cy="113131"/>
+          </a:xfrm>
+          <a:prstGeom prst="rect">
+            <a:avLst/>
+          </a:prstGeom>
+          <a:solidFill>
+            <a:schemeClr val="bg1"/>
+          </a:solidFill>
+          <a:ln>
+            <a:noFill/>
+          </a:ln>
+        </p:spPr>
+        <p:style>
+          <a:lnRef idx="2">
+            <a:schemeClr val="accent1">
+              <a:shade val="50000"/>
+            </a:schemeClr>
+          </a:lnRef>
+          <a:fillRef idx="1">
+            <a:schemeClr val="accent1"/>
+          </a:fillRef>
+          <a:effectRef idx="0">
+            <a:schemeClr val="accent1"/>
+          </a:effectRef>
+          <a:fontRef idx="minor">
+            <a:schemeClr val="lt1"/>
+          </a:fontRef>
+        </p:style>
+        <p:txBody>
+          <a:bodyPr rtlCol="0" anchor="ctr"/>
+          <a:lstStyle/>
+          <a:p>
+            <a:pPr algn="ctr"/>
+            <a:endParaRPr lang="en-US"/>
+          </a:p>
+        </p:txBody>
+      </p:sp>
+      <p:sp>
+        <p:nvSpPr>
+          <p:cNvPr id="8" name="Rectangle 7">
+            <a:extLst>
+              <a:ext uri="{FF2B5EF4-FFF2-40B4-BE49-F238E27FC236}">
+                <a16:creationId xmlns:a16="http://schemas.microsoft.com/office/drawing/2014/main" id="{C6D4CB5D-883D-E562-E2FC-1C1DABF6BA28}"/>
+              </a:ext>
+            </a:extLst>
+          </p:cNvPr>
+          <p:cNvSpPr/>
+          <p:nvPr/>
+        </p:nvSpPr>
+        <p:spPr>
+          <a:xfrm>
+            <a:off x="911076" y="480060"/>
+            <a:ext cx="953434" cy="113131"/>
+          </a:xfrm>
+          <a:prstGeom prst="rect">
+            <a:avLst/>
+          </a:prstGeom>
+          <a:solidFill>
+            <a:schemeClr val="bg1"/>
+          </a:solidFill>
+          <a:ln>
+            <a:noFill/>
+          </a:ln>
+        </p:spPr>
+        <p:style>
+          <a:lnRef idx="2">
+            <a:schemeClr val="accent1">
+              <a:shade val="50000"/>
+            </a:schemeClr>
+          </a:lnRef>
+          <a:fillRef idx="1">
+            <a:schemeClr val="accent1"/>
+          </a:fillRef>
+          <a:effectRef idx="0">
+            <a:schemeClr val="accent1"/>
+          </a:effectRef>
+          <a:fontRef idx="minor">
+            <a:schemeClr val="lt1"/>
+          </a:fontRef>
+        </p:style>
+        <p:txBody>
+          <a:bodyPr rtlCol="0" anchor="ctr"/>
+          <a:lstStyle/>
+          <a:p>
+            <a:pPr algn="ctr"/>
+            <a:endParaRPr lang="en-US"/>
+          </a:p>
+        </p:txBody>
+      </p:sp>
+      <p:sp>
+        <p:nvSpPr>
+          <p:cNvPr id="11" name="Rectangle 10">
+            <a:extLst>
+              <a:ext uri="{FF2B5EF4-FFF2-40B4-BE49-F238E27FC236}">
+                <a16:creationId xmlns:a16="http://schemas.microsoft.com/office/drawing/2014/main" id="{6178F08B-1889-8287-1D77-FE21BF12217A}"/>
+              </a:ext>
+            </a:extLst>
+          </p:cNvPr>
+          <p:cNvSpPr/>
+          <p:nvPr/>
+        </p:nvSpPr>
+        <p:spPr>
+          <a:xfrm>
+            <a:off x="4049146" y="1727921"/>
+            <a:ext cx="953434" cy="165547"/>
+          </a:xfrm>
+          <a:prstGeom prst="rect">
+            <a:avLst/>
+          </a:prstGeom>
+          <a:solidFill>
+            <a:schemeClr val="bg1"/>
+          </a:solidFill>
+          <a:ln>
+            <a:noFill/>
+          </a:ln>
+        </p:spPr>
+        <p:style>
+          <a:lnRef idx="2">
+            <a:schemeClr val="accent1">
+              <a:shade val="50000"/>
+            </a:schemeClr>
+          </a:lnRef>
+          <a:fillRef idx="1">
+            <a:schemeClr val="accent1"/>
+          </a:fillRef>
+          <a:effectRef idx="0">
+            <a:schemeClr val="accent1"/>
+          </a:effectRef>
+          <a:fontRef idx="minor">
+            <a:schemeClr val="lt1"/>
+          </a:fontRef>
+        </p:style>
+        <p:txBody>
+          <a:bodyPr rtlCol="0" anchor="ctr"/>
+          <a:lstStyle/>
+          <a:p>
+            <a:pPr algn="ctr"/>
+            <a:endParaRPr lang="en-US"/>
+          </a:p>
+        </p:txBody>
+      </p:sp>
+      <p:sp>
+        <p:nvSpPr>
+          <p:cNvPr id="12" name="Rectangle 11">
+            <a:extLst>
+              <a:ext uri="{FF2B5EF4-FFF2-40B4-BE49-F238E27FC236}">
+                <a16:creationId xmlns:a16="http://schemas.microsoft.com/office/drawing/2014/main" id="{4E22FA59-3139-01B3-6F1C-8A25BB209027}"/>
+              </a:ext>
+            </a:extLst>
+          </p:cNvPr>
+          <p:cNvSpPr/>
+          <p:nvPr/>
+        </p:nvSpPr>
+        <p:spPr>
+          <a:xfrm>
+            <a:off x="5375629" y="571500"/>
+            <a:ext cx="244122" cy="67681"/>
+          </a:xfrm>
+          <a:prstGeom prst="rect">
+            <a:avLst/>
+          </a:prstGeom>
+          <a:solidFill>
+            <a:schemeClr val="bg1"/>
+          </a:solidFill>
+          <a:ln>
+            <a:noFill/>
+          </a:ln>
+        </p:spPr>
+        <p:style>
+          <a:lnRef idx="2">
+            <a:schemeClr val="accent1">
+              <a:shade val="50000"/>
+            </a:schemeClr>
+          </a:lnRef>
+          <a:fillRef idx="1">
+            <a:schemeClr val="accent1"/>
+          </a:fillRef>
+          <a:effectRef idx="0">
+            <a:schemeClr val="accent1"/>
+          </a:effectRef>
+          <a:fontRef idx="minor">
+            <a:schemeClr val="lt1"/>
+          </a:fontRef>
+        </p:style>
+        <p:txBody>
+          <a:bodyPr rtlCol="0" anchor="ctr"/>
+          <a:lstStyle/>
+          <a:p>
+            <a:pPr algn="ctr"/>
+            <a:endParaRPr lang="en-US"/>
+          </a:p>
+        </p:txBody>
+      </p:sp>
+      <p:sp>
+        <p:nvSpPr>
+          <p:cNvPr id="6" name="TextBox 5">
+            <a:extLst>
+              <a:ext uri="{FF2B5EF4-FFF2-40B4-BE49-F238E27FC236}">
+                <a16:creationId xmlns:a16="http://schemas.microsoft.com/office/drawing/2014/main" id="{31AE6061-5882-D186-EB03-E0BF037F2E1E}"/>
+              </a:ext>
+            </a:extLst>
+          </p:cNvPr>
+          <p:cNvSpPr txBox="1"/>
+          <p:nvPr/>
+        </p:nvSpPr>
+        <p:spPr>
+          <a:xfrm>
+            <a:off x="5175690" y="468040"/>
+            <a:ext cx="1909762" cy="215444"/>
+          </a:xfrm>
+          <a:prstGeom prst="rect">
+            <a:avLst/>
+          </a:prstGeom>
+          <a:noFill/>
+        </p:spPr>
+        <p:txBody>
+          <a:bodyPr wrap="square" rtlCol="0">
+            <a:spAutoFit/>
+          </a:bodyPr>
+          <a:lstStyle/>
+          <a:p>
+            <a:pPr algn="ctr"/>
+            <a:r>
+              <a:rPr lang="en-US" sz="800" b="1" dirty="0"/>
+              <a:t>Energy-resolved thermal sensitivities</a:t>
+            </a:r>
+          </a:p>
+        </p:txBody>
+      </p:sp>
+      <p:sp>
+        <p:nvSpPr>
+          <p:cNvPr id="5" name="TextBox 4">
+            <a:extLst>
+              <a:ext uri="{FF2B5EF4-FFF2-40B4-BE49-F238E27FC236}">
+                <a16:creationId xmlns:a16="http://schemas.microsoft.com/office/drawing/2014/main" id="{753E323A-189B-1ABD-FACE-7555850582C7}"/>
+              </a:ext>
+            </a:extLst>
+          </p:cNvPr>
+          <p:cNvSpPr txBox="1"/>
+          <p:nvPr/>
+        </p:nvSpPr>
+        <p:spPr>
+          <a:xfrm>
+            <a:off x="3971339" y="1739429"/>
+            <a:ext cx="1016001" cy="215444"/>
+          </a:xfrm>
+          <a:prstGeom prst="rect">
+            <a:avLst/>
+          </a:prstGeom>
+          <a:noFill/>
+        </p:spPr>
+        <p:txBody>
+          <a:bodyPr wrap="square" rtlCol="0">
+            <a:spAutoFit/>
+          </a:bodyPr>
+          <a:lstStyle/>
+          <a:p>
+            <a:pPr algn="ctr"/>
+            <a:r>
+              <a:rPr lang="en-US" sz="800" b="1" dirty="0"/>
+              <a:t>Protein shake</a:t>
+            </a:r>
+          </a:p>
+        </p:txBody>
+      </p:sp>
+      <p:sp>
+        <p:nvSpPr>
+          <p:cNvPr id="7" name="TextBox 6">
+            <a:extLst>
+              <a:ext uri="{FF2B5EF4-FFF2-40B4-BE49-F238E27FC236}">
+                <a16:creationId xmlns:a16="http://schemas.microsoft.com/office/drawing/2014/main" id="{7FE6CA38-AE03-87AD-C579-44B916DA3405}"/>
+              </a:ext>
+            </a:extLst>
+          </p:cNvPr>
+          <p:cNvSpPr txBox="1"/>
+          <p:nvPr/>
+        </p:nvSpPr>
+        <p:spPr>
+          <a:xfrm>
+            <a:off x="704326" y="411371"/>
+            <a:ext cx="1494006" cy="215444"/>
+          </a:xfrm>
+          <a:prstGeom prst="rect">
+            <a:avLst/>
+          </a:prstGeom>
+          <a:noFill/>
+        </p:spPr>
+        <p:txBody>
+          <a:bodyPr wrap="square" rtlCol="0">
+            <a:spAutoFit/>
+          </a:bodyPr>
+          <a:lstStyle/>
+          <a:p>
+            <a:pPr algn="ctr"/>
+            <a:r>
+              <a:rPr lang="en-US" sz="800" b="1" dirty="0"/>
+              <a:t>Attenuation vs. energy</a:t>
+            </a:r>
+          </a:p>
+        </p:txBody>
+      </p:sp>
     </p:spTree>
     <p:extLst>
       <p:ext uri="{BB962C8B-B14F-4D97-AF65-F5344CB8AC3E}">
-        <p14:creationId xmlns:p14="http://schemas.microsoft.com/office/powerpoint/2010/main" val="1641956445"/>
+        <p14:creationId xmlns:p14="http://schemas.microsoft.com/office/powerpoint/2010/main" val="995727716"/>
       </p:ext>
     </p:extLst>
   </p:cSld>
@@ -4001,4 +6814,299 @@
     </a:ext>
   </a:extLst>
 </a:theme>
+</file>
+
+<file path=ppt/theme/theme2.xml><?xml version="1.0" encoding="utf-8"?>
+<a:theme xmlns:a="http://schemas.openxmlformats.org/drawingml/2006/main" name="Office Theme">
+  <a:themeElements>
+    <a:clrScheme name="Office">
+      <a:dk1>
+        <a:sysClr val="windowText" lastClr="000000"/>
+      </a:dk1>
+      <a:lt1>
+        <a:sysClr val="window" lastClr="FFFFFF"/>
+      </a:lt1>
+      <a:dk2>
+        <a:srgbClr val="44546A"/>
+      </a:dk2>
+      <a:lt2>
+        <a:srgbClr val="E7E6E6"/>
+      </a:lt2>
+      <a:accent1>
+        <a:srgbClr val="4472C4"/>
+      </a:accent1>
+      <a:accent2>
+        <a:srgbClr val="ED7D31"/>
+      </a:accent2>
+      <a:accent3>
+        <a:srgbClr val="A5A5A5"/>
+      </a:accent3>
+      <a:accent4>
+        <a:srgbClr val="FFC000"/>
+      </a:accent4>
+      <a:accent5>
+        <a:srgbClr val="5B9BD5"/>
+      </a:accent5>
+      <a:accent6>
+        <a:srgbClr val="70AD47"/>
+      </a:accent6>
+      <a:hlink>
+        <a:srgbClr val="0563C1"/>
+      </a:hlink>
+      <a:folHlink>
+        <a:srgbClr val="954F72"/>
+      </a:folHlink>
+    </a:clrScheme>
+    <a:fontScheme name="Office">
+      <a:majorFont>
+        <a:latin typeface="Calibri Light" panose="020F0302020204030204"/>
+        <a:ea typeface=""/>
+        <a:cs typeface=""/>
+        <a:font script="Jpan" typeface="游ゴシック Light"/>
+        <a:font script="Hang" typeface="맑은 고딕"/>
+        <a:font script="Hans" typeface="等线 Light"/>
+        <a:font script="Hant" typeface="新細明體"/>
+        <a:font script="Arab" typeface="Times New Roman"/>
+        <a:font script="Hebr" typeface="Times New Roman"/>
+        <a:font script="Thai" typeface="Angsana New"/>
+        <a:font script="Ethi" typeface="Nyala"/>
+        <a:font script="Beng" typeface="Vrinda"/>
+        <a:font script="Gujr" typeface="Shruti"/>
+        <a:font script="Khmr" typeface="MoolBoran"/>
+        <a:font script="Knda" typeface="Tunga"/>
+        <a:font script="Guru" typeface="Raavi"/>
+        <a:font script="Cans" typeface="Euphemia"/>
+        <a:font script="Cher" typeface="Plantagenet Cherokee"/>
+        <a:font script="Yiii" typeface="Microsoft Yi Baiti"/>
+        <a:font script="Tibt" typeface="Microsoft Himalaya"/>
+        <a:font script="Thaa" typeface="MV Boli"/>
+        <a:font script="Deva" typeface="Mangal"/>
+        <a:font script="Telu" typeface="Gautami"/>
+        <a:font script="Taml" typeface="Latha"/>
+        <a:font script="Syrc" typeface="Estrangelo Edessa"/>
+        <a:font script="Orya" typeface="Kalinga"/>
+        <a:font script="Mlym" typeface="Kartika"/>
+        <a:font script="Laoo" typeface="DokChampa"/>
+        <a:font script="Sinh" typeface="Iskoola Pota"/>
+        <a:font script="Mong" typeface="Mongolian Baiti"/>
+        <a:font script="Viet" typeface="Times New Roman"/>
+        <a:font script="Uigh" typeface="Microsoft Uighur"/>
+        <a:font script="Geor" typeface="Sylfaen"/>
+        <a:font script="Armn" typeface="Arial"/>
+        <a:font script="Bugi" typeface="Leelawadee UI"/>
+        <a:font script="Bopo" typeface="Microsoft JhengHei"/>
+        <a:font script="Java" typeface="Javanese Text"/>
+        <a:font script="Lisu" typeface="Segoe UI"/>
+        <a:font script="Mymr" typeface="Myanmar Text"/>
+        <a:font script="Nkoo" typeface="Ebrima"/>
+        <a:font script="Olck" typeface="Nirmala UI"/>
+        <a:font script="Osma" typeface="Ebrima"/>
+        <a:font script="Phag" typeface="Phagspa"/>
+        <a:font script="Syrn" typeface="Estrangelo Edessa"/>
+        <a:font script="Syrj" typeface="Estrangelo Edessa"/>
+        <a:font script="Syre" typeface="Estrangelo Edessa"/>
+        <a:font script="Sora" typeface="Nirmala UI"/>
+        <a:font script="Tale" typeface="Microsoft Tai Le"/>
+        <a:font script="Talu" typeface="Microsoft New Tai Lue"/>
+        <a:font script="Tfng" typeface="Ebrima"/>
+      </a:majorFont>
+      <a:minorFont>
+        <a:latin typeface="Calibri" panose="020F0502020204030204"/>
+        <a:ea typeface=""/>
+        <a:cs typeface=""/>
+        <a:font script="Jpan" typeface="游ゴシック"/>
+        <a:font script="Hang" typeface="맑은 고딕"/>
+        <a:font script="Hans" typeface="等线"/>
+        <a:font script="Hant" typeface="新細明體"/>
+        <a:font script="Arab" typeface="Arial"/>
+        <a:font script="Hebr" typeface="Arial"/>
+        <a:font script="Thai" typeface="Cordia New"/>
+        <a:font script="Ethi" typeface="Nyala"/>
+        <a:font script="Beng" typeface="Vrinda"/>
+        <a:font script="Gujr" typeface="Shruti"/>
+        <a:font script="Khmr" typeface="DaunPenh"/>
+        <a:font script="Knda" typeface="Tunga"/>
+        <a:font script="Guru" typeface="Raavi"/>
+        <a:font script="Cans" typeface="Euphemia"/>
+        <a:font script="Cher" typeface="Plantagenet Cherokee"/>
+        <a:font script="Yiii" typeface="Microsoft Yi Baiti"/>
+        <a:font script="Tibt" typeface="Microsoft Himalaya"/>
+        <a:font script="Thaa" typeface="MV Boli"/>
+        <a:font script="Deva" typeface="Mangal"/>
+        <a:font script="Telu" typeface="Gautami"/>
+        <a:font script="Taml" typeface="Latha"/>
+        <a:font script="Syrc" typeface="Estrangelo Edessa"/>
+        <a:font script="Orya" typeface="Kalinga"/>
+        <a:font script="Mlym" typeface="Kartika"/>
+        <a:font script="Laoo" typeface="DokChampa"/>
+        <a:font script="Sinh" typeface="Iskoola Pota"/>
+        <a:font script="Mong" typeface="Mongolian Baiti"/>
+        <a:font script="Viet" typeface="Arial"/>
+        <a:font script="Uigh" typeface="Microsoft Uighur"/>
+        <a:font script="Geor" typeface="Sylfaen"/>
+        <a:font script="Armn" typeface="Arial"/>
+        <a:font script="Bugi" typeface="Leelawadee UI"/>
+        <a:font script="Bopo" typeface="Microsoft JhengHei"/>
+        <a:font script="Java" typeface="Javanese Text"/>
+        <a:font script="Lisu" typeface="Segoe UI"/>
+        <a:font script="Mymr" typeface="Myanmar Text"/>
+        <a:font script="Nkoo" typeface="Ebrima"/>
+        <a:font script="Olck" typeface="Nirmala UI"/>
+        <a:font script="Osma" typeface="Ebrima"/>
+        <a:font script="Phag" typeface="Phagspa"/>
+        <a:font script="Syrn" typeface="Estrangelo Edessa"/>
+        <a:font script="Syrj" typeface="Estrangelo Edessa"/>
+        <a:font script="Syre" typeface="Estrangelo Edessa"/>
+        <a:font script="Sora" typeface="Nirmala UI"/>
+        <a:font script="Tale" typeface="Microsoft Tai Le"/>
+        <a:font script="Talu" typeface="Microsoft New Tai Lue"/>
+        <a:font script="Tfng" typeface="Ebrima"/>
+      </a:minorFont>
+    </a:fontScheme>
+    <a:fmtScheme name="Office">
+      <a:fillStyleLst>
+        <a:solidFill>
+          <a:schemeClr val="phClr"/>
+        </a:solidFill>
+        <a:gradFill rotWithShape="1">
+          <a:gsLst>
+            <a:gs pos="0">
+              <a:schemeClr val="phClr">
+                <a:lumMod val="110000"/>
+                <a:satMod val="105000"/>
+                <a:tint val="67000"/>
+              </a:schemeClr>
+            </a:gs>
+            <a:gs pos="50000">
+              <a:schemeClr val="phClr">
+                <a:lumMod val="105000"/>
+                <a:satMod val="103000"/>
+                <a:tint val="73000"/>
+              </a:schemeClr>
+            </a:gs>
+            <a:gs pos="100000">
+              <a:schemeClr val="phClr">
+                <a:lumMod val="105000"/>
+                <a:satMod val="109000"/>
+                <a:tint val="81000"/>
+              </a:schemeClr>
+            </a:gs>
+          </a:gsLst>
+          <a:lin ang="5400000" scaled="0"/>
+        </a:gradFill>
+        <a:gradFill rotWithShape="1">
+          <a:gsLst>
+            <a:gs pos="0">
+              <a:schemeClr val="phClr">
+                <a:satMod val="103000"/>
+                <a:lumMod val="102000"/>
+                <a:tint val="94000"/>
+              </a:schemeClr>
+            </a:gs>
+            <a:gs pos="50000">
+              <a:schemeClr val="phClr">
+                <a:satMod val="110000"/>
+                <a:lumMod val="100000"/>
+                <a:shade val="100000"/>
+              </a:schemeClr>
+            </a:gs>
+            <a:gs pos="100000">
+              <a:schemeClr val="phClr">
+                <a:lumMod val="99000"/>
+                <a:satMod val="120000"/>
+                <a:shade val="78000"/>
+              </a:schemeClr>
+            </a:gs>
+          </a:gsLst>
+          <a:lin ang="5400000" scaled="0"/>
+        </a:gradFill>
+      </a:fillStyleLst>
+      <a:lnStyleLst>
+        <a:ln w="6350" cap="flat" cmpd="sng" algn="ctr">
+          <a:solidFill>
+            <a:schemeClr val="phClr"/>
+          </a:solidFill>
+          <a:prstDash val="solid"/>
+          <a:miter lim="800000"/>
+        </a:ln>
+        <a:ln w="12700" cap="flat" cmpd="sng" algn="ctr">
+          <a:solidFill>
+            <a:schemeClr val="phClr"/>
+          </a:solidFill>
+          <a:prstDash val="solid"/>
+          <a:miter lim="800000"/>
+        </a:ln>
+        <a:ln w="19050" cap="flat" cmpd="sng" algn="ctr">
+          <a:solidFill>
+            <a:schemeClr val="phClr"/>
+          </a:solidFill>
+          <a:prstDash val="solid"/>
+          <a:miter lim="800000"/>
+        </a:ln>
+      </a:lnStyleLst>
+      <a:effectStyleLst>
+        <a:effectStyle>
+          <a:effectLst/>
+        </a:effectStyle>
+        <a:effectStyle>
+          <a:effectLst/>
+        </a:effectStyle>
+        <a:effectStyle>
+          <a:effectLst>
+            <a:outerShdw blurRad="57150" dist="19050" dir="5400000" algn="ctr" rotWithShape="0">
+              <a:srgbClr val="000000">
+                <a:alpha val="63000"/>
+              </a:srgbClr>
+            </a:outerShdw>
+          </a:effectLst>
+        </a:effectStyle>
+      </a:effectStyleLst>
+      <a:bgFillStyleLst>
+        <a:solidFill>
+          <a:schemeClr val="phClr"/>
+        </a:solidFill>
+        <a:solidFill>
+          <a:schemeClr val="phClr">
+            <a:tint val="95000"/>
+            <a:satMod val="170000"/>
+          </a:schemeClr>
+        </a:solidFill>
+        <a:gradFill rotWithShape="1">
+          <a:gsLst>
+            <a:gs pos="0">
+              <a:schemeClr val="phClr">
+                <a:tint val="93000"/>
+                <a:satMod val="150000"/>
+                <a:shade val="98000"/>
+                <a:lumMod val="102000"/>
+              </a:schemeClr>
+            </a:gs>
+            <a:gs pos="50000">
+              <a:schemeClr val="phClr">
+                <a:tint val="98000"/>
+                <a:satMod val="130000"/>
+                <a:shade val="90000"/>
+                <a:lumMod val="103000"/>
+              </a:schemeClr>
+            </a:gs>
+            <a:gs pos="100000">
+              <a:schemeClr val="phClr">
+                <a:shade val="63000"/>
+                <a:satMod val="120000"/>
+              </a:schemeClr>
+            </a:gs>
+          </a:gsLst>
+          <a:lin ang="5400000" scaled="0"/>
+        </a:gradFill>
+      </a:bgFillStyleLst>
+    </a:fmtScheme>
+  </a:themeElements>
+  <a:objectDefaults/>
+  <a:extraClrSchemeLst/>
+  <a:extLst>
+    <a:ext uri="{05A4C25C-085E-4340-85A3-A5531E510DB2}">
+      <thm15:themeFamily xmlns:thm15="http://schemas.microsoft.com/office/thememl/2012/main" name="Office Theme" id="{62F939B6-93AF-4DB8-9C6B-D6C7DFDC589F}" vid="{4A3C46E8-61CC-4603-A589-7422A47A8E4A}"/>
+    </a:ext>
+  </a:extLst>
+</a:theme>
 </file>